--- a/docs/lectures/DeepQuestions.pptx
+++ b/docs/lectures/DeepQuestions.pptx
@@ -5,21 +5,22 @@
     <p:sldMasterId id="2147483660" r:id="rId1"/>
   </p:sldMasterIdLst>
   <p:handoutMasterIdLst>
-    <p:handoutMasterId r:id="rId14"/>
+    <p:handoutMasterId r:id="rId15"/>
   </p:handoutMasterIdLst>
   <p:sldIdLst>
     <p:sldId id="256" r:id="rId2"/>
     <p:sldId id="257" r:id="rId3"/>
-    <p:sldId id="258" r:id="rId4"/>
-    <p:sldId id="259" r:id="rId5"/>
-    <p:sldId id="260" r:id="rId6"/>
-    <p:sldId id="261" r:id="rId7"/>
-    <p:sldId id="262" r:id="rId8"/>
-    <p:sldId id="264" r:id="rId9"/>
-    <p:sldId id="263" r:id="rId10"/>
-    <p:sldId id="265" r:id="rId11"/>
-    <p:sldId id="266" r:id="rId12"/>
-    <p:sldId id="267" r:id="rId13"/>
+    <p:sldId id="268" r:id="rId4"/>
+    <p:sldId id="258" r:id="rId5"/>
+    <p:sldId id="259" r:id="rId6"/>
+    <p:sldId id="260" r:id="rId7"/>
+    <p:sldId id="261" r:id="rId8"/>
+    <p:sldId id="262" r:id="rId9"/>
+    <p:sldId id="264" r:id="rId10"/>
+    <p:sldId id="263" r:id="rId11"/>
+    <p:sldId id="265" r:id="rId12"/>
+    <p:sldId id="266" r:id="rId13"/>
+    <p:sldId id="267" r:id="rId14"/>
   </p:sldIdLst>
   <p:sldSz cx="9144000" cy="6858000" type="screen4x3"/>
   <p:notesSz cx="6858000" cy="9144000"/>
@@ -118,6 +119,36 @@
       </a:defRPr>
     </a:lvl9pPr>
   </p:defaultTextStyle>
+  <p:extLst>
+    <p:ext uri="{EFAFB233-063F-42B5-8137-9DF3F51BA10A}">
+      <p15:sldGuideLst xmlns:p15="http://schemas.microsoft.com/office/powerpoint/2012/main">
+        <p15:guide id="1" orient="horz" pos="2160">
+          <p15:clr>
+            <a:srgbClr val="A4A3A4"/>
+          </p15:clr>
+        </p15:guide>
+        <p15:guide id="2" pos="2880">
+          <p15:clr>
+            <a:srgbClr val="A4A3A4"/>
+          </p15:clr>
+        </p15:guide>
+      </p15:sldGuideLst>
+    </p:ext>
+    <p:ext uri="{2D200454-40CA-4A62-9FC3-DE9A4176ACB9}">
+      <p15:notesGuideLst xmlns:p15="http://schemas.microsoft.com/office/powerpoint/2012/main">
+        <p15:guide id="1" orient="horz" pos="2880">
+          <p15:clr>
+            <a:srgbClr val="A4A3A4"/>
+          </p15:clr>
+        </p15:guide>
+        <p15:guide id="2" pos="2160">
+          <p15:clr>
+            <a:srgbClr val="A4A3A4"/>
+          </p15:clr>
+        </p15:guide>
+      </p15:notesGuideLst>
+    </p:ext>
+  </p:extLst>
 </p:presentation>
 </file>
 
@@ -203,7 +234,7 @@
           <a:p>
             <a:fld id="{08BD4FA9-F3CE-45B3-A980-C331C6F1EF65}" type="datetimeFigureOut">
               <a:rPr lang="en-US" smtClean="0"/>
-              <a:t>2/27/2019</a:t>
+              <a:t>2/25/2024</a:t>
             </a:fld>
             <a:endParaRPr lang="en-US"/>
           </a:p>
@@ -335,10 +366,9 @@
           </a:lstStyle>
           <a:p>
             <a:r>
-              <a:rPr lang="en-US" dirty="0" smtClean="0"/>
+              <a:rPr lang="en-US" dirty="0"/>
               <a:t>Click to edit Master title style</a:t>
             </a:r>
-            <a:endParaRPr lang="en-US" dirty="0"/>
           </a:p>
         </p:txBody>
       </p:sp>
@@ -454,10 +484,9 @@
           </a:lstStyle>
           <a:p>
             <a:r>
-              <a:rPr lang="en-US" smtClean="0"/>
+              <a:rPr lang="en-US"/>
               <a:t>Click to edit Master subtitle style</a:t>
             </a:r>
-            <a:endParaRPr lang="en-US"/>
           </a:p>
         </p:txBody>
       </p:sp>
@@ -478,7 +507,7 @@
           <a:p>
             <a:fld id="{EAAD3657-2200-4D14-82C0-10C39B0F0F06}" type="datetime1">
               <a:rPr lang="en-US" smtClean="0"/>
-              <a:t>2/27/2019</a:t>
+              <a:t>2/25/2024</a:t>
             </a:fld>
             <a:endParaRPr lang="en-US"/>
           </a:p>
@@ -572,10 +601,9 @@
           <a:lstStyle/>
           <a:p>
             <a:r>
-              <a:rPr lang="en-US" smtClean="0"/>
+              <a:rPr lang="en-US"/>
               <a:t>Click to edit Master title style</a:t>
             </a:r>
-            <a:endParaRPr lang="en-US"/>
           </a:p>
         </p:txBody>
       </p:sp>
@@ -596,38 +624,37 @@
           <a:p>
             <a:pPr lvl="0"/>
             <a:r>
-              <a:rPr lang="en-US" smtClean="0"/>
+              <a:rPr lang="en-US"/>
               <a:t>Click to edit Master text styles</a:t>
             </a:r>
           </a:p>
           <a:p>
             <a:pPr lvl="1"/>
             <a:r>
-              <a:rPr lang="en-US" smtClean="0"/>
+              <a:rPr lang="en-US"/>
               <a:t>Second level</a:t>
             </a:r>
           </a:p>
           <a:p>
             <a:pPr lvl="2"/>
             <a:r>
-              <a:rPr lang="en-US" smtClean="0"/>
+              <a:rPr lang="en-US"/>
               <a:t>Third level</a:t>
             </a:r>
           </a:p>
           <a:p>
             <a:pPr lvl="3"/>
             <a:r>
-              <a:rPr lang="en-US" smtClean="0"/>
+              <a:rPr lang="en-US"/>
               <a:t>Fourth level</a:t>
             </a:r>
           </a:p>
           <a:p>
             <a:pPr lvl="4"/>
             <a:r>
-              <a:rPr lang="en-US" smtClean="0"/>
+              <a:rPr lang="en-US"/>
               <a:t>Fifth level</a:t>
             </a:r>
-            <a:endParaRPr lang="en-US"/>
           </a:p>
         </p:txBody>
       </p:sp>
@@ -648,7 +675,7 @@
           <a:p>
             <a:fld id="{11BBAF55-A85E-4993-914E-FC1E5AA7DF24}" type="datetime1">
               <a:rPr lang="en-US" smtClean="0"/>
-              <a:t>2/27/2019</a:t>
+              <a:t>2/25/2024</a:t>
             </a:fld>
             <a:endParaRPr lang="en-US"/>
           </a:p>
@@ -747,10 +774,9 @@
           <a:lstStyle/>
           <a:p>
             <a:r>
-              <a:rPr lang="en-US" smtClean="0"/>
+              <a:rPr lang="en-US"/>
               <a:t>Click to edit Master title style</a:t>
             </a:r>
-            <a:endParaRPr lang="en-US"/>
           </a:p>
         </p:txBody>
       </p:sp>
@@ -776,38 +802,37 @@
           <a:p>
             <a:pPr lvl="0"/>
             <a:r>
-              <a:rPr lang="en-US" smtClean="0"/>
+              <a:rPr lang="en-US"/>
               <a:t>Click to edit Master text styles</a:t>
             </a:r>
           </a:p>
           <a:p>
             <a:pPr lvl="1"/>
             <a:r>
-              <a:rPr lang="en-US" smtClean="0"/>
+              <a:rPr lang="en-US"/>
               <a:t>Second level</a:t>
             </a:r>
           </a:p>
           <a:p>
             <a:pPr lvl="2"/>
             <a:r>
-              <a:rPr lang="en-US" smtClean="0"/>
+              <a:rPr lang="en-US"/>
               <a:t>Third level</a:t>
             </a:r>
           </a:p>
           <a:p>
             <a:pPr lvl="3"/>
             <a:r>
-              <a:rPr lang="en-US" smtClean="0"/>
+              <a:rPr lang="en-US"/>
               <a:t>Fourth level</a:t>
             </a:r>
           </a:p>
           <a:p>
             <a:pPr lvl="4"/>
             <a:r>
-              <a:rPr lang="en-US" smtClean="0"/>
+              <a:rPr lang="en-US"/>
               <a:t>Fifth level</a:t>
             </a:r>
-            <a:endParaRPr lang="en-US"/>
           </a:p>
         </p:txBody>
       </p:sp>
@@ -828,7 +853,7 @@
           <a:p>
             <a:fld id="{39816E07-E1DB-44A4-A5E5-9F4B54E8C933}" type="datetime1">
               <a:rPr lang="en-US" smtClean="0"/>
-              <a:t>2/27/2019</a:t>
+              <a:t>2/25/2024</a:t>
             </a:fld>
             <a:endParaRPr lang="en-US"/>
           </a:p>
@@ -922,10 +947,9 @@
           <a:lstStyle/>
           <a:p>
             <a:r>
-              <a:rPr lang="en-US" smtClean="0"/>
+              <a:rPr lang="en-US"/>
               <a:t>Click to edit Master title style</a:t>
             </a:r>
-            <a:endParaRPr lang="en-US"/>
           </a:p>
         </p:txBody>
       </p:sp>
@@ -963,38 +987,37 @@
           <a:p>
             <a:pPr lvl="0"/>
             <a:r>
-              <a:rPr lang="en-US" dirty="0" smtClean="0"/>
+              <a:rPr lang="en-US" dirty="0"/>
               <a:t>Click to edit Master text styles</a:t>
             </a:r>
           </a:p>
           <a:p>
             <a:pPr lvl="1"/>
             <a:r>
-              <a:rPr lang="en-US" dirty="0" smtClean="0"/>
+              <a:rPr lang="en-US" dirty="0"/>
               <a:t>Second level</a:t>
             </a:r>
           </a:p>
           <a:p>
             <a:pPr lvl="2"/>
             <a:r>
-              <a:rPr lang="en-US" dirty="0" smtClean="0"/>
+              <a:rPr lang="en-US" dirty="0"/>
               <a:t>Third level</a:t>
             </a:r>
           </a:p>
           <a:p>
             <a:pPr lvl="3"/>
             <a:r>
-              <a:rPr lang="en-US" dirty="0" smtClean="0"/>
+              <a:rPr lang="en-US" dirty="0"/>
               <a:t>Fourth level</a:t>
             </a:r>
           </a:p>
           <a:p>
             <a:pPr lvl="4"/>
             <a:r>
-              <a:rPr lang="en-US" dirty="0" smtClean="0"/>
+              <a:rPr lang="en-US" dirty="0"/>
               <a:t>Fifth level</a:t>
             </a:r>
-            <a:endParaRPr lang="en-US" dirty="0"/>
           </a:p>
         </p:txBody>
       </p:sp>
@@ -1015,7 +1038,7 @@
           <a:p>
             <a:fld id="{C2B1AD17-B813-4477-8AFE-B1860CC59113}" type="datetime1">
               <a:rPr lang="en-US" smtClean="0"/>
-              <a:t>2/27/2019</a:t>
+              <a:t>2/25/2024</a:t>
             </a:fld>
             <a:endParaRPr lang="en-US"/>
           </a:p>
@@ -1118,10 +1141,9 @@
           </a:lstStyle>
           <a:p>
             <a:r>
-              <a:rPr lang="en-US" dirty="0" smtClean="0"/>
+              <a:rPr lang="en-US" dirty="0"/>
               <a:t>Click to edit master title style</a:t>
             </a:r>
-            <a:endParaRPr lang="en-US" dirty="0"/>
           </a:p>
         </p:txBody>
       </p:sp>
@@ -1238,7 +1260,7 @@
           <a:p>
             <a:pPr lvl="0"/>
             <a:r>
-              <a:rPr lang="en-US" smtClean="0"/>
+              <a:rPr lang="en-US"/>
               <a:t>Click to edit Master text styles</a:t>
             </a:r>
           </a:p>
@@ -1261,7 +1283,7 @@
           <a:p>
             <a:fld id="{D0975C0D-5C9E-48CC-8D31-F42D19FA8F7A}" type="datetime1">
               <a:rPr lang="en-US" smtClean="0"/>
-              <a:t>2/27/2019</a:t>
+              <a:t>2/25/2024</a:t>
             </a:fld>
             <a:endParaRPr lang="en-US"/>
           </a:p>
@@ -1319,13 +1341,6 @@
   <p:clrMapOvr>
     <a:masterClrMapping/>
   </p:clrMapOvr>
-  <p:timing>
-    <p:tnLst>
-      <p:par>
-        <p:cTn id="1" dur="indefinite" restart="never" nodeType="tmRoot"/>
-      </p:par>
-    </p:tnLst>
-  </p:timing>
 </p:sldLayout>
 </file>
 
@@ -1362,10 +1377,9 @@
           <a:lstStyle/>
           <a:p>
             <a:r>
-              <a:rPr lang="en-US" smtClean="0"/>
+              <a:rPr lang="en-US"/>
               <a:t>Click to edit Master title style</a:t>
             </a:r>
-            <a:endParaRPr lang="en-US"/>
           </a:p>
         </p:txBody>
       </p:sp>
@@ -1419,38 +1433,37 @@
           <a:p>
             <a:pPr lvl="0"/>
             <a:r>
-              <a:rPr lang="en-US" dirty="0" smtClean="0"/>
+              <a:rPr lang="en-US" dirty="0"/>
               <a:t>Click to edit Master text styles</a:t>
             </a:r>
           </a:p>
           <a:p>
             <a:pPr lvl="1"/>
             <a:r>
-              <a:rPr lang="en-US" dirty="0" smtClean="0"/>
+              <a:rPr lang="en-US" dirty="0"/>
               <a:t>Second level</a:t>
             </a:r>
           </a:p>
           <a:p>
             <a:pPr lvl="2"/>
             <a:r>
-              <a:rPr lang="en-US" dirty="0" smtClean="0"/>
+              <a:rPr lang="en-US" dirty="0"/>
               <a:t>Third level</a:t>
             </a:r>
           </a:p>
           <a:p>
             <a:pPr lvl="3"/>
             <a:r>
-              <a:rPr lang="en-US" dirty="0" smtClean="0"/>
+              <a:rPr lang="en-US" dirty="0"/>
               <a:t>Fourth level</a:t>
             </a:r>
           </a:p>
           <a:p>
             <a:pPr lvl="4"/>
             <a:r>
-              <a:rPr lang="en-US" dirty="0" smtClean="0"/>
+              <a:rPr lang="en-US" dirty="0"/>
               <a:t>Fifth level</a:t>
             </a:r>
-            <a:endParaRPr lang="en-US" dirty="0"/>
           </a:p>
         </p:txBody>
       </p:sp>
@@ -1504,38 +1517,37 @@
           <a:p>
             <a:pPr lvl="0"/>
             <a:r>
-              <a:rPr lang="en-US" dirty="0" smtClean="0"/>
+              <a:rPr lang="en-US" dirty="0"/>
               <a:t>Click to edit Master text styles</a:t>
             </a:r>
           </a:p>
           <a:p>
             <a:pPr lvl="1"/>
             <a:r>
-              <a:rPr lang="en-US" dirty="0" smtClean="0"/>
+              <a:rPr lang="en-US" dirty="0"/>
               <a:t>Second level</a:t>
             </a:r>
           </a:p>
           <a:p>
             <a:pPr lvl="2"/>
             <a:r>
-              <a:rPr lang="en-US" dirty="0" smtClean="0"/>
+              <a:rPr lang="en-US" dirty="0"/>
               <a:t>Third level</a:t>
             </a:r>
           </a:p>
           <a:p>
             <a:pPr lvl="3"/>
             <a:r>
-              <a:rPr lang="en-US" dirty="0" smtClean="0"/>
+              <a:rPr lang="en-US" dirty="0"/>
               <a:t>Fourth level</a:t>
             </a:r>
           </a:p>
           <a:p>
             <a:pPr lvl="4"/>
             <a:r>
-              <a:rPr lang="en-US" dirty="0" smtClean="0"/>
+              <a:rPr lang="en-US" dirty="0"/>
               <a:t>Fifth level</a:t>
             </a:r>
-            <a:endParaRPr lang="en-US" dirty="0"/>
           </a:p>
         </p:txBody>
       </p:sp>
@@ -1556,7 +1568,7 @@
           <a:p>
             <a:fld id="{28657551-0F2B-4F09-86FD-F7994CE83DC5}" type="datetime1">
               <a:rPr lang="en-US" smtClean="0"/>
-              <a:t>2/27/2019</a:t>
+              <a:t>2/25/2024</a:t>
             </a:fld>
             <a:endParaRPr lang="en-US"/>
           </a:p>
@@ -1654,10 +1666,9 @@
           </a:lstStyle>
           <a:p>
             <a:r>
-              <a:rPr lang="en-US" smtClean="0"/>
+              <a:rPr lang="en-US"/>
               <a:t>Click to edit Master title style</a:t>
             </a:r>
-            <a:endParaRPr lang="en-US"/>
           </a:p>
         </p:txBody>
       </p:sp>
@@ -1720,7 +1731,7 @@
           <a:p>
             <a:pPr lvl="0"/>
             <a:r>
-              <a:rPr lang="en-US" smtClean="0"/>
+              <a:rPr lang="en-US"/>
               <a:t>Click to edit Master text styles</a:t>
             </a:r>
           </a:p>
@@ -1776,38 +1787,37 @@
           <a:p>
             <a:pPr lvl="0"/>
             <a:r>
-              <a:rPr lang="en-US" smtClean="0"/>
+              <a:rPr lang="en-US"/>
               <a:t>Click to edit Master text styles</a:t>
             </a:r>
           </a:p>
           <a:p>
             <a:pPr lvl="1"/>
             <a:r>
-              <a:rPr lang="en-US" smtClean="0"/>
+              <a:rPr lang="en-US"/>
               <a:t>Second level</a:t>
             </a:r>
           </a:p>
           <a:p>
             <a:pPr lvl="2"/>
             <a:r>
-              <a:rPr lang="en-US" smtClean="0"/>
+              <a:rPr lang="en-US"/>
               <a:t>Third level</a:t>
             </a:r>
           </a:p>
           <a:p>
             <a:pPr lvl="3"/>
             <a:r>
-              <a:rPr lang="en-US" smtClean="0"/>
+              <a:rPr lang="en-US"/>
               <a:t>Fourth level</a:t>
             </a:r>
           </a:p>
           <a:p>
             <a:pPr lvl="4"/>
             <a:r>
-              <a:rPr lang="en-US" smtClean="0"/>
+              <a:rPr lang="en-US"/>
               <a:t>Fifth level</a:t>
             </a:r>
-            <a:endParaRPr lang="en-US"/>
           </a:p>
         </p:txBody>
       </p:sp>
@@ -1870,7 +1880,7 @@
           <a:p>
             <a:pPr lvl="0"/>
             <a:r>
-              <a:rPr lang="en-US" smtClean="0"/>
+              <a:rPr lang="en-US"/>
               <a:t>Click to edit Master text styles</a:t>
             </a:r>
           </a:p>
@@ -1926,38 +1936,37 @@
           <a:p>
             <a:pPr lvl="0"/>
             <a:r>
-              <a:rPr lang="en-US" smtClean="0"/>
+              <a:rPr lang="en-US"/>
               <a:t>Click to edit Master text styles</a:t>
             </a:r>
           </a:p>
           <a:p>
             <a:pPr lvl="1"/>
             <a:r>
-              <a:rPr lang="en-US" smtClean="0"/>
+              <a:rPr lang="en-US"/>
               <a:t>Second level</a:t>
             </a:r>
           </a:p>
           <a:p>
             <a:pPr lvl="2"/>
             <a:r>
-              <a:rPr lang="en-US" smtClean="0"/>
+              <a:rPr lang="en-US"/>
               <a:t>Third level</a:t>
             </a:r>
           </a:p>
           <a:p>
             <a:pPr lvl="3"/>
             <a:r>
-              <a:rPr lang="en-US" smtClean="0"/>
+              <a:rPr lang="en-US"/>
               <a:t>Fourth level</a:t>
             </a:r>
           </a:p>
           <a:p>
             <a:pPr lvl="4"/>
             <a:r>
-              <a:rPr lang="en-US" smtClean="0"/>
+              <a:rPr lang="en-US"/>
               <a:t>Fifth level</a:t>
             </a:r>
-            <a:endParaRPr lang="en-US"/>
           </a:p>
         </p:txBody>
       </p:sp>
@@ -1978,7 +1987,7 @@
           <a:p>
             <a:fld id="{3929D2B2-4200-46B9-96C3-02A55D5FAA00}" type="datetime1">
               <a:rPr lang="en-US" smtClean="0"/>
-              <a:t>2/27/2019</a:t>
+              <a:t>2/25/2024</a:t>
             </a:fld>
             <a:endParaRPr lang="en-US"/>
           </a:p>
@@ -2072,10 +2081,9 @@
           <a:lstStyle/>
           <a:p>
             <a:r>
-              <a:rPr lang="en-US" smtClean="0"/>
+              <a:rPr lang="en-US"/>
               <a:t>Click to edit Master title style</a:t>
             </a:r>
-            <a:endParaRPr lang="en-US"/>
           </a:p>
         </p:txBody>
       </p:sp>
@@ -2096,7 +2104,7 @@
           <a:p>
             <a:fld id="{41FF7722-74E8-497F-A072-89677A2C2373}" type="datetime1">
               <a:rPr lang="en-US" smtClean="0"/>
-              <a:t>2/27/2019</a:t>
+              <a:t>2/25/2024</a:t>
             </a:fld>
             <a:endParaRPr lang="en-US"/>
           </a:p>
@@ -2191,7 +2199,7 @@
           <a:p>
             <a:fld id="{BD26212E-B46B-426F-AE59-AA326827D9E0}" type="datetime1">
               <a:rPr lang="en-US" smtClean="0"/>
-              <a:t>2/27/2019</a:t>
+              <a:t>2/25/2024</a:t>
             </a:fld>
             <a:endParaRPr lang="en-US"/>
           </a:p>
@@ -2294,10 +2302,9 @@
           </a:lstStyle>
           <a:p>
             <a:r>
-              <a:rPr lang="en-US" smtClean="0"/>
+              <a:rPr lang="en-US"/>
               <a:t>Click to edit Master title style</a:t>
             </a:r>
-            <a:endParaRPr lang="en-US"/>
           </a:p>
         </p:txBody>
       </p:sp>
@@ -2351,38 +2358,37 @@
           <a:p>
             <a:pPr lvl="0"/>
             <a:r>
-              <a:rPr lang="en-US" smtClean="0"/>
+              <a:rPr lang="en-US"/>
               <a:t>Click to edit Master text styles</a:t>
             </a:r>
           </a:p>
           <a:p>
             <a:pPr lvl="1"/>
             <a:r>
-              <a:rPr lang="en-US" smtClean="0"/>
+              <a:rPr lang="en-US"/>
               <a:t>Second level</a:t>
             </a:r>
           </a:p>
           <a:p>
             <a:pPr lvl="2"/>
             <a:r>
-              <a:rPr lang="en-US" smtClean="0"/>
+              <a:rPr lang="en-US"/>
               <a:t>Third level</a:t>
             </a:r>
           </a:p>
           <a:p>
             <a:pPr lvl="3"/>
             <a:r>
-              <a:rPr lang="en-US" smtClean="0"/>
+              <a:rPr lang="en-US"/>
               <a:t>Fourth level</a:t>
             </a:r>
           </a:p>
           <a:p>
             <a:pPr lvl="4"/>
             <a:r>
-              <a:rPr lang="en-US" smtClean="0"/>
+              <a:rPr lang="en-US"/>
               <a:t>Fifth level</a:t>
             </a:r>
-            <a:endParaRPr lang="en-US"/>
           </a:p>
         </p:txBody>
       </p:sp>
@@ -2445,7 +2451,7 @@
           <a:p>
             <a:pPr lvl="0"/>
             <a:r>
-              <a:rPr lang="en-US" smtClean="0"/>
+              <a:rPr lang="en-US"/>
               <a:t>Click to edit Master text styles</a:t>
             </a:r>
           </a:p>
@@ -2468,7 +2474,7 @@
           <a:p>
             <a:fld id="{FB9B81E8-09EA-4684-A39F-38DE1E49D20C}" type="datetime1">
               <a:rPr lang="en-US" smtClean="0"/>
-              <a:t>2/27/2019</a:t>
+              <a:t>2/25/2024</a:t>
             </a:fld>
             <a:endParaRPr lang="en-US"/>
           </a:p>
@@ -2571,10 +2577,9 @@
           </a:lstStyle>
           <a:p>
             <a:r>
-              <a:rPr lang="en-US" smtClean="0"/>
+              <a:rPr lang="en-US"/>
               <a:t>Click to edit Master title style</a:t>
             </a:r>
-            <a:endParaRPr lang="en-US"/>
           </a:p>
         </p:txBody>
       </p:sp>
@@ -2698,7 +2703,7 @@
           <a:p>
             <a:pPr lvl="0"/>
             <a:r>
-              <a:rPr lang="en-US" smtClean="0"/>
+              <a:rPr lang="en-US"/>
               <a:t>Click to edit Master text styles</a:t>
             </a:r>
           </a:p>
@@ -2721,7 +2726,7 @@
           <a:p>
             <a:fld id="{35C5CC5F-056C-4047-9A5C-9F5B4BED129B}" type="datetime1">
               <a:rPr lang="en-US" smtClean="0"/>
-              <a:t>2/27/2019</a:t>
+              <a:t>2/25/2024</a:t>
             </a:fld>
             <a:endParaRPr lang="en-US"/>
           </a:p>
@@ -2833,10 +2838,9 @@
           <a:lstStyle/>
           <a:p>
             <a:r>
-              <a:rPr lang="en-US" dirty="0" smtClean="0"/>
+              <a:rPr lang="en-US" dirty="0"/>
               <a:t>Click to edit Master title style</a:t>
             </a:r>
-            <a:endParaRPr lang="en-US" dirty="0"/>
           </a:p>
         </p:txBody>
       </p:sp>
@@ -2867,38 +2871,37 @@
           <a:p>
             <a:pPr lvl="0"/>
             <a:r>
-              <a:rPr lang="en-US" dirty="0" smtClean="0"/>
+              <a:rPr lang="en-US" dirty="0"/>
               <a:t>Click to edit Master text styles</a:t>
             </a:r>
           </a:p>
           <a:p>
             <a:pPr lvl="1"/>
             <a:r>
-              <a:rPr lang="en-US" dirty="0" smtClean="0"/>
+              <a:rPr lang="en-US" dirty="0"/>
               <a:t>Second level</a:t>
             </a:r>
           </a:p>
           <a:p>
             <a:pPr lvl="2"/>
             <a:r>
-              <a:rPr lang="en-US" dirty="0" smtClean="0"/>
+              <a:rPr lang="en-US" dirty="0"/>
               <a:t>Third level</a:t>
             </a:r>
           </a:p>
           <a:p>
             <a:pPr lvl="3"/>
             <a:r>
-              <a:rPr lang="en-US" dirty="0" smtClean="0"/>
+              <a:rPr lang="en-US" dirty="0"/>
               <a:t>Fourth level</a:t>
             </a:r>
           </a:p>
           <a:p>
             <a:pPr lvl="4"/>
             <a:r>
-              <a:rPr lang="en-US" dirty="0" smtClean="0"/>
+              <a:rPr lang="en-US" dirty="0"/>
               <a:t>Fifth level</a:t>
             </a:r>
-            <a:endParaRPr lang="en-US" dirty="0"/>
           </a:p>
         </p:txBody>
       </p:sp>
@@ -2937,7 +2940,7 @@
           <a:p>
             <a:fld id="{E8171053-07BD-4A17-AC24-0A22EAA36098}" type="datetime1">
               <a:rPr lang="en-US" smtClean="0"/>
-              <a:t>2/27/2019</a:t>
+              <a:t>2/25/2024</a:t>
             </a:fld>
             <a:endParaRPr lang="en-US"/>
           </a:p>
@@ -3307,6 +3310,40 @@
 <file path=ppt/slides/slide1.xml><?xml version="1.0" encoding="utf-8"?>
 <p:sld xmlns:a="http://schemas.openxmlformats.org/drawingml/2006/main" xmlns:r="http://schemas.openxmlformats.org/officeDocument/2006/relationships" xmlns:p="http://schemas.openxmlformats.org/presentationml/2006/main">
   <p:cSld>
+    <p:bg>
+      <p:bgPr>
+        <a:gradFill>
+          <a:gsLst>
+            <a:gs pos="0">
+              <a:schemeClr val="accent1">
+                <a:lumMod val="5000"/>
+                <a:lumOff val="95000"/>
+              </a:schemeClr>
+            </a:gs>
+            <a:gs pos="74000">
+              <a:schemeClr val="accent1">
+                <a:lumMod val="45000"/>
+                <a:lumOff val="55000"/>
+              </a:schemeClr>
+            </a:gs>
+            <a:gs pos="83000">
+              <a:schemeClr val="accent1">
+                <a:lumMod val="45000"/>
+                <a:lumOff val="55000"/>
+              </a:schemeClr>
+            </a:gs>
+            <a:gs pos="100000">
+              <a:schemeClr val="accent1">
+                <a:lumMod val="30000"/>
+                <a:lumOff val="70000"/>
+              </a:schemeClr>
+            </a:gs>
+          </a:gsLst>
+          <a:lin ang="5400000" scaled="1"/>
+        </a:gradFill>
+        <a:effectLst/>
+      </p:bgPr>
+    </p:bg>
     <p:spTree>
       <p:nvGrpSpPr>
         <p:cNvPr id="1" name=""/>
@@ -3342,10 +3379,9 @@
           <a:lstStyle/>
           <a:p>
             <a:r>
-              <a:rPr lang="en-US" dirty="0" smtClean="0"/>
+              <a:rPr lang="en-US" dirty="0"/>
               <a:t>Deep Questions of Data Visualization</a:t>
             </a:r>
-            <a:endParaRPr lang="en-US" dirty="0"/>
           </a:p>
         </p:txBody>
       </p:sp>
@@ -3370,13 +3406,13 @@
           <a:lstStyle/>
           <a:p>
             <a:r>
-              <a:rPr lang="en-US" dirty="0" smtClean="0"/>
+              <a:rPr lang="en-US" dirty="0"/>
               <a:t>Michael Friendly</a:t>
             </a:r>
           </a:p>
           <a:p>
             <a:r>
-              <a:rPr lang="en-US" dirty="0" smtClean="0"/>
+              <a:rPr lang="en-US" dirty="0"/>
               <a:t>Psych 6135</a:t>
             </a:r>
           </a:p>
@@ -3391,18 +3427,9 @@
                 </a:solidFill>
                 <a:hlinkClick r:id="rId2"/>
               </a:rPr>
-              <a:t>http://euclid.psych.yorku.ca/www/psy6135/</a:t>
-            </a:r>
-            <a:r>
-              <a:rPr lang="en-US" sz="2200" dirty="0">
-                <a:solidFill>
-                  <a:prstClr val="black">
-                    <a:tint val="75000"/>
-                  </a:prstClr>
-                </a:solidFill>
-              </a:rPr>
-              <a:t> </a:t>
-            </a:r>
+              <a:t>https://friendly.github.io/6135</a:t>
+            </a:r>
+            <a:endParaRPr lang="en-US" sz="2400" dirty="0"/>
           </a:p>
           <a:p>
             <a:endParaRPr lang="en-US" dirty="0"/>
@@ -3469,6 +3496,78 @@
           </a:prstGeom>
         </p:spPr>
       </p:pic>
+      <p:pic>
+        <p:nvPicPr>
+          <p:cNvPr id="6" name="Picture 5" descr="A hexagon with a head and icons&#10;&#10;Description automatically generated">
+            <a:extLst>
+              <a:ext uri="{FF2B5EF4-FFF2-40B4-BE49-F238E27FC236}">
+                <a16:creationId xmlns:a16="http://schemas.microsoft.com/office/drawing/2014/main" id="{FA2E7970-BACA-1F47-30DF-BA3912DCA5A7}"/>
+              </a:ext>
+            </a:extLst>
+          </p:cNvPr>
+          <p:cNvPicPr>
+            <a:picLocks noChangeAspect="1"/>
+          </p:cNvPicPr>
+          <p:nvPr/>
+        </p:nvPicPr>
+        <p:blipFill>
+          <a:blip r:embed="rId5" cstate="print">
+            <a:extLst>
+              <a:ext uri="{28A0092B-C50C-407E-A947-70E740481C1C}">
+                <a14:useLocalDpi xmlns:a14="http://schemas.microsoft.com/office/drawing/2010/main" val="0"/>
+              </a:ext>
+            </a:extLst>
+          </a:blip>
+          <a:stretch>
+            <a:fillRect/>
+          </a:stretch>
+        </p:blipFill>
+        <p:spPr>
+          <a:xfrm>
+            <a:off x="685800" y="4648200"/>
+            <a:ext cx="1063537" cy="1224000"/>
+          </a:xfrm>
+          <a:prstGeom prst="rect">
+            <a:avLst/>
+          </a:prstGeom>
+        </p:spPr>
+      </p:pic>
+      <p:pic>
+        <p:nvPicPr>
+          <p:cNvPr id="7" name="Picture 6" descr="A hexagon with a head and icons&#10;&#10;Description automatically generated">
+            <a:extLst>
+              <a:ext uri="{FF2B5EF4-FFF2-40B4-BE49-F238E27FC236}">
+                <a16:creationId xmlns:a16="http://schemas.microsoft.com/office/drawing/2014/main" id="{77F65516-5B12-D361-DECB-728B27280867}"/>
+              </a:ext>
+            </a:extLst>
+          </p:cNvPr>
+          <p:cNvPicPr>
+            <a:picLocks noChangeAspect="1"/>
+          </p:cNvPicPr>
+          <p:nvPr/>
+        </p:nvPicPr>
+        <p:blipFill>
+          <a:blip r:embed="rId5" cstate="print">
+            <a:extLst>
+              <a:ext uri="{28A0092B-C50C-407E-A947-70E740481C1C}">
+                <a14:useLocalDpi xmlns:a14="http://schemas.microsoft.com/office/drawing/2010/main" val="0"/>
+              </a:ext>
+            </a:extLst>
+          </a:blip>
+          <a:stretch>
+            <a:fillRect/>
+          </a:stretch>
+        </p:blipFill>
+        <p:spPr>
+          <a:xfrm>
+            <a:off x="7394663" y="4724400"/>
+            <a:ext cx="1063537" cy="1224000"/>
+          </a:xfrm>
+          <a:prstGeom prst="rect">
+            <a:avLst/>
+          </a:prstGeom>
+        </p:spPr>
+      </p:pic>
     </p:spTree>
     <p:extLst>
       <p:ext uri="{BB962C8B-B14F-4D97-AF65-F5344CB8AC3E}">
@@ -3479,13 +3578,6 @@
   <p:clrMapOvr>
     <a:masterClrMapping/>
   </p:clrMapOvr>
-  <p:timing>
-    <p:tnLst>
-      <p:par>
-        <p:cTn id="1" dur="indefinite" restart="never" nodeType="tmRoot"/>
-      </p:par>
-    </p:tnLst>
-  </p:timing>
 </p:sld>
 </file>
 
@@ -3524,10 +3616,9 @@
           <a:lstStyle/>
           <a:p>
             <a:r>
-              <a:rPr lang="en-US" dirty="0" smtClean="0"/>
+              <a:rPr lang="en-CA" dirty="0"/>
               <a:t>Visualizing the results</a:t>
             </a:r>
-            <a:endParaRPr lang="en-US" dirty="0"/>
           </a:p>
         </p:txBody>
       </p:sp>
@@ -3549,6 +3640,153 @@
             <a:fld id="{621225AB-15B9-4C79-A121-04D1DC7E2307}" type="slidenum">
               <a:rPr lang="en-US" smtClean="0"/>
               <a:t>10</a:t>
+            </a:fld>
+            <a:endParaRPr lang="en-US"/>
+          </a:p>
+        </p:txBody>
+      </p:sp>
+      <p:pic>
+        <p:nvPicPr>
+          <p:cNvPr id="5122" name="Picture 2" descr="C:\Users\friendly\Pictures\2018-Provo\IMG_20180225_1445314-smaller.jpg"/>
+          <p:cNvPicPr>
+            <a:picLocks noChangeAspect="1" noChangeArrowheads="1"/>
+          </p:cNvPicPr>
+          <p:nvPr/>
+        </p:nvPicPr>
+        <p:blipFill>
+          <a:blip r:embed="rId2">
+            <a:extLst>
+              <a:ext uri="{28A0092B-C50C-407E-A947-70E740481C1C}">
+                <a14:useLocalDpi xmlns:a14="http://schemas.microsoft.com/office/drawing/2010/main" val="0"/>
+              </a:ext>
+            </a:extLst>
+          </a:blip>
+          <a:srcRect/>
+          <a:stretch>
+            <a:fillRect/>
+          </a:stretch>
+        </p:blipFill>
+        <p:spPr bwMode="auto">
+          <a:xfrm>
+            <a:off x="1066800" y="1981200"/>
+            <a:ext cx="6960870" cy="4640580"/>
+          </a:xfrm>
+          <a:prstGeom prst="rect">
+            <a:avLst/>
+          </a:prstGeom>
+          <a:noFill/>
+          <a:extLst>
+            <a:ext uri="{909E8E84-426E-40DD-AFC4-6F175D3DCCD1}">
+              <a14:hiddenFill xmlns:a14="http://schemas.microsoft.com/office/drawing/2010/main">
+                <a:solidFill>
+                  <a:srgbClr val="FFFFFF"/>
+                </a:solidFill>
+              </a14:hiddenFill>
+            </a:ext>
+          </a:extLst>
+        </p:spPr>
+      </p:pic>
+      <p:sp>
+        <p:nvSpPr>
+          <p:cNvPr id="4" name="TextBox 3"/>
+          <p:cNvSpPr txBox="1"/>
+          <p:nvPr/>
+        </p:nvSpPr>
+        <p:spPr>
+          <a:xfrm>
+            <a:off x="457200" y="1143000"/>
+            <a:ext cx="8229600" cy="461665"/>
+          </a:xfrm>
+          <a:prstGeom prst="rect">
+            <a:avLst/>
+          </a:prstGeom>
+          <a:noFill/>
+        </p:spPr>
+        <p:txBody>
+          <a:bodyPr wrap="square" rtlCol="0">
+            <a:spAutoFit/>
+          </a:bodyPr>
+          <a:lstStyle/>
+          <a:p>
+            <a:r>
+              <a:rPr lang="en-US" sz="2400" dirty="0"/>
+              <a:t>Successful visualizations require some time for reflection</a:t>
+            </a:r>
+          </a:p>
+        </p:txBody>
+      </p:sp>
+    </p:spTree>
+    <p:extLst>
+      <p:ext uri="{BB962C8B-B14F-4D97-AF65-F5344CB8AC3E}">
+        <p14:creationId xmlns:p14="http://schemas.microsoft.com/office/powerpoint/2010/main" val="415895312"/>
+      </p:ext>
+    </p:extLst>
+  </p:cSld>
+  <p:clrMapOvr>
+    <a:masterClrMapping/>
+  </p:clrMapOvr>
+</p:sld>
+</file>
+
+<file path=ppt/slides/slide11.xml><?xml version="1.0" encoding="utf-8"?>
+<p:sld xmlns:a="http://schemas.openxmlformats.org/drawingml/2006/main" xmlns:r="http://schemas.openxmlformats.org/officeDocument/2006/relationships" xmlns:p="http://schemas.openxmlformats.org/presentationml/2006/main">
+  <p:cSld>
+    <p:spTree>
+      <p:nvGrpSpPr>
+        <p:cNvPr id="1" name=""/>
+        <p:cNvGrpSpPr/>
+        <p:nvPr/>
+      </p:nvGrpSpPr>
+      <p:grpSpPr>
+        <a:xfrm>
+          <a:off x="0" y="0"/>
+          <a:ext cx="0" cy="0"/>
+          <a:chOff x="0" y="0"/>
+          <a:chExt cx="0" cy="0"/>
+        </a:xfrm>
+      </p:grpSpPr>
+      <p:sp>
+        <p:nvSpPr>
+          <p:cNvPr id="2" name="Title 1"/>
+          <p:cNvSpPr>
+            <a:spLocks noGrp="1"/>
+          </p:cNvSpPr>
+          <p:nvPr>
+            <p:ph type="title"/>
+          </p:nvPr>
+        </p:nvSpPr>
+        <p:spPr/>
+        <p:txBody>
+          <a:bodyPr>
+            <a:normAutofit fontScale="90000"/>
+          </a:bodyPr>
+          <a:lstStyle/>
+          <a:p>
+            <a:r>
+              <a:rPr lang="en-US" dirty="0"/>
+              <a:t>Visualizing the results</a:t>
+            </a:r>
+          </a:p>
+        </p:txBody>
+      </p:sp>
+      <p:sp>
+        <p:nvSpPr>
+          <p:cNvPr id="3" name="Slide Number Placeholder 2"/>
+          <p:cNvSpPr>
+            <a:spLocks noGrp="1"/>
+          </p:cNvSpPr>
+          <p:nvPr>
+            <p:ph type="sldNum" sz="quarter" idx="12"/>
+          </p:nvPr>
+        </p:nvSpPr>
+        <p:spPr/>
+        <p:txBody>
+          <a:bodyPr/>
+          <a:lstStyle/>
+          <a:p>
+            <a:fld id="{621225AB-15B9-4C79-A121-04D1DC7E2307}" type="slidenum">
+              <a:rPr lang="en-US" smtClean="0"/>
+              <a:t>11</a:t>
             </a:fld>
             <a:endParaRPr lang="en-US"/>
           </a:p>
@@ -3685,10 +3923,9 @@
           <a:lstStyle/>
           <a:p>
             <a:r>
-              <a:rPr lang="en-US" sz="2400" dirty="0" smtClean="0"/>
+              <a:rPr lang="en-US" sz="2400" dirty="0"/>
               <a:t>Bar chart</a:t>
             </a:r>
-            <a:endParaRPr lang="en-US" sz="2400" dirty="0"/>
           </a:p>
         </p:txBody>
       </p:sp>
@@ -3715,15 +3952,15 @@
           <a:lstStyle/>
           <a:p>
             <a:r>
-              <a:rPr lang="en-US" sz="2400" dirty="0" err="1" smtClean="0"/>
+              <a:rPr lang="en-US" sz="2400" dirty="0" err="1"/>
               <a:t>Windrose</a:t>
             </a:r>
             <a:r>
-              <a:rPr lang="en-US" sz="2400" dirty="0" smtClean="0"/>
+              <a:rPr lang="en-US" sz="2400" dirty="0"/>
               <a:t> = bar chart + polar </a:t>
             </a:r>
             <a:r>
-              <a:rPr lang="en-US" sz="2400" dirty="0" err="1" smtClean="0"/>
+              <a:rPr lang="en-US" sz="2400" dirty="0" err="1"/>
               <a:t>coords</a:t>
             </a:r>
             <a:endParaRPr lang="en-US" sz="2400" dirty="0"/>
@@ -3753,14 +3990,9 @@
           <a:lstStyle/>
           <a:p>
             <a:r>
-              <a:rPr lang="en-US" dirty="0" smtClean="0"/>
-              <a:t>Which do you prefer</a:t>
-            </a:r>
-            <a:r>
-              <a:rPr lang="en-US" dirty="0" smtClean="0"/>
-              <a:t>?  Is there something better before I publish this?</a:t>
-            </a:r>
-            <a:endParaRPr lang="en-US" dirty="0"/>
+              <a:rPr lang="en-US" dirty="0"/>
+              <a:t>Which do you prefer?  Is there something better before I publish this?</a:t>
+            </a:r>
           </a:p>
         </p:txBody>
       </p:sp>
@@ -3774,17 +4006,10 @@
   <p:clrMapOvr>
     <a:masterClrMapping/>
   </p:clrMapOvr>
-  <p:timing>
-    <p:tnLst>
-      <p:par>
-        <p:cTn id="1" dur="indefinite" restart="never" nodeType="tmRoot"/>
-      </p:par>
-    </p:tnLst>
-  </p:timing>
 </p:sld>
 </file>
 
-<file path=ppt/slides/slide11.xml><?xml version="1.0" encoding="utf-8"?>
+<file path=ppt/slides/slide12.xml><?xml version="1.0" encoding="utf-8"?>
 <p:sld xmlns:a="http://schemas.openxmlformats.org/drawingml/2006/main" xmlns:r="http://schemas.openxmlformats.org/officeDocument/2006/relationships" xmlns:p="http://schemas.openxmlformats.org/presentationml/2006/main">
   <p:cSld>
     <p:spTree>
@@ -3819,18 +4044,17 @@
           <a:lstStyle/>
           <a:p>
             <a:r>
-              <a:rPr lang="en-US" dirty="0" smtClean="0"/>
+              <a:rPr lang="en-US" dirty="0"/>
               <a:t>The </a:t>
             </a:r>
             <a:r>
-              <a:rPr lang="en-US" i="1" dirty="0" smtClean="0"/>
+              <a:rPr lang="en-US" i="1" dirty="0"/>
               <a:t>Red Stripe </a:t>
             </a:r>
             <a:r>
-              <a:rPr lang="en-US" dirty="0" smtClean="0"/>
+              <a:rPr lang="en-US" dirty="0"/>
               <a:t>Award</a:t>
             </a:r>
-            <a:endParaRPr lang="en-US" dirty="0"/>
           </a:p>
         </p:txBody>
       </p:sp>
@@ -3851,7 +4075,7 @@
           <a:p>
             <a:fld id="{621225AB-15B9-4C79-A121-04D1DC7E2307}" type="slidenum">
               <a:rPr lang="en-US" smtClean="0"/>
-              <a:t>11</a:t>
+              <a:t>12</a:t>
             </a:fld>
             <a:endParaRPr lang="en-US"/>
           </a:p>
@@ -3921,11 +4145,11 @@
           <a:lstStyle/>
           <a:p>
             <a:r>
-              <a:rPr lang="en-US" sz="2400" dirty="0" smtClean="0"/>
+              <a:rPr lang="en-US" sz="2400" dirty="0"/>
               <a:t>The research reported</a:t>
             </a:r>
             <a:r>
-              <a:rPr lang="en-US" sz="2400" baseline="30000" dirty="0" smtClean="0">
+              <a:rPr lang="en-US" sz="2400" baseline="30000" dirty="0">
                 <a:solidFill>
                   <a:srgbClr val="FF0000"/>
                 </a:solidFill>
@@ -3933,26 +4157,21 @@
               <a:t>*</a:t>
             </a:r>
             <a:r>
-              <a:rPr lang="en-US" sz="2400" dirty="0" smtClean="0"/>
-              <a:t> here was given the February </a:t>
-            </a:r>
-            <a:r>
-              <a:rPr lang="en-US" sz="2400" dirty="0" smtClean="0"/>
-              <a:t>2019 </a:t>
-            </a:r>
-            <a:r>
-              <a:rPr lang="en-US" sz="2400" i="1" dirty="0" smtClean="0"/>
+              <a:rPr lang="en-US" sz="2400" dirty="0"/>
+              <a:t> here was given the February 2019 </a:t>
+            </a:r>
+            <a:r>
+              <a:rPr lang="en-US" sz="2400" i="1" dirty="0"/>
               <a:t>Red Stripe </a:t>
             </a:r>
             <a:r>
-              <a:rPr lang="en-US" sz="2400" dirty="0" smtClean="0"/>
+              <a:rPr lang="en-US" sz="2400" dirty="0"/>
               <a:t>Award by the </a:t>
             </a:r>
             <a:r>
-              <a:rPr lang="en-US" sz="2400" b="1" dirty="0" smtClean="0"/>
+              <a:rPr lang="en-US" sz="2400" b="1" dirty="0"/>
               <a:t>Deep Question Research Institute</a:t>
             </a:r>
-            <a:endParaRPr lang="en-US" sz="2400" b="1" dirty="0"/>
           </a:p>
         </p:txBody>
       </p:sp>
@@ -3979,7 +4198,7 @@
           <a:lstStyle/>
           <a:p>
             <a:r>
-              <a:rPr lang="en-US" baseline="30000" dirty="0" smtClean="0">
+              <a:rPr lang="en-US" baseline="30000" dirty="0">
                 <a:solidFill>
                   <a:srgbClr val="FF0000"/>
                 </a:solidFill>
@@ -3991,11 +4210,11 @@
               <a:t> </a:t>
             </a:r>
             <a:r>
-              <a:rPr lang="en-US" sz="1400" dirty="0" smtClean="0"/>
+              <a:rPr lang="en-US" sz="1400" dirty="0"/>
               <a:t>This research was </a:t>
             </a:r>
             <a:r>
-              <a:rPr lang="en-US" sz="1400" dirty="0" smtClean="0">
+              <a:rPr lang="en-US" sz="1400" dirty="0">
                 <a:solidFill>
                   <a:srgbClr val="FF0000"/>
                 </a:solidFill>
@@ -4003,10 +4222,9 @@
               <a:t>not</a:t>
             </a:r>
             <a:r>
-              <a:rPr lang="en-US" sz="1400" dirty="0" smtClean="0"/>
+              <a:rPr lang="en-US" sz="1400" dirty="0"/>
               <a:t> supported by the National Sciences and Engineering Research Council of Canada</a:t>
             </a:r>
-            <a:endParaRPr lang="en-US" sz="1400" dirty="0"/>
           </a:p>
         </p:txBody>
       </p:sp>
@@ -4020,17 +4238,10 @@
   <p:clrMapOvr>
     <a:masterClrMapping/>
   </p:clrMapOvr>
-  <p:timing>
-    <p:tnLst>
-      <p:par>
-        <p:cTn id="1" dur="indefinite" restart="never" nodeType="tmRoot"/>
-      </p:par>
-    </p:tnLst>
-  </p:timing>
 </p:sld>
 </file>
 
-<file path=ppt/slides/slide12.xml><?xml version="1.0" encoding="utf-8"?>
+<file path=ppt/slides/slide13.xml><?xml version="1.0" encoding="utf-8"?>
 <p:sld xmlns:a="http://schemas.openxmlformats.org/drawingml/2006/main" xmlns:r="http://schemas.openxmlformats.org/officeDocument/2006/relationships" xmlns:p="http://schemas.openxmlformats.org/presentationml/2006/main">
   <p:cSld>
     <p:spTree>
@@ -4065,10 +4276,9 @@
           <a:lstStyle/>
           <a:p>
             <a:r>
-              <a:rPr lang="en-US" dirty="0" smtClean="0"/>
+              <a:rPr lang="en-US" dirty="0"/>
               <a:t>Further research</a:t>
             </a:r>
-            <a:endParaRPr lang="en-US" dirty="0"/>
           </a:p>
         </p:txBody>
       </p:sp>
@@ -4088,23 +4298,18 @@
           <a:lstStyle/>
           <a:p>
             <a:r>
-              <a:rPr lang="en-US" dirty="0" smtClean="0"/>
-              <a:t>Include the obvious and necessary control conditions in a 2 x 2 factorial </a:t>
-            </a:r>
-            <a:r>
-              <a:rPr lang="en-US" dirty="0" smtClean="0"/>
-              <a:t>design (chart type × food type):</a:t>
-            </a:r>
-            <a:endParaRPr lang="en-US" dirty="0" smtClean="0"/>
+              <a:rPr lang="en-US" dirty="0"/>
+              <a:t>Include the obvious and necessary control conditions in a 2 x 2 factorial design (chart type × food type):</a:t>
+            </a:r>
           </a:p>
           <a:p>
             <a:pPr lvl="1"/>
             <a:r>
-              <a:rPr lang="en-US" dirty="0" smtClean="0"/>
+              <a:rPr lang="en-US" dirty="0"/>
               <a:t>conch </a:t>
             </a:r>
             <a:r>
-              <a:rPr lang="en-US" dirty="0" smtClean="0">
+              <a:rPr lang="en-US" dirty="0">
                 <a:solidFill>
                   <a:srgbClr val="FF0000"/>
                 </a:solidFill>
@@ -4112,23 +4317,18 @@
               <a:t>bar</a:t>
             </a:r>
             <a:r>
-              <a:rPr lang="en-US" dirty="0" smtClean="0"/>
-              <a:t> </a:t>
-            </a:r>
-            <a:r>
-              <a:rPr lang="en-US" dirty="0" smtClean="0"/>
-              <a:t>charts vs. conch pie charts</a:t>
-            </a:r>
-            <a:endParaRPr lang="en-US" dirty="0" smtClean="0"/>
+              <a:rPr lang="en-US" dirty="0"/>
+              <a:t> charts vs. conch pie charts</a:t>
+            </a:r>
           </a:p>
           <a:p>
             <a:pPr lvl="1"/>
             <a:r>
-              <a:rPr lang="en-US" dirty="0" smtClean="0"/>
+              <a:rPr lang="en-US" dirty="0"/>
               <a:t>granola </a:t>
             </a:r>
             <a:r>
-              <a:rPr lang="en-US" dirty="0" smtClean="0">
+              <a:rPr lang="en-US" dirty="0">
                 <a:solidFill>
                   <a:srgbClr val="FF0000"/>
                 </a:solidFill>
@@ -4136,60 +4336,37 @@
               <a:t>pie</a:t>
             </a:r>
             <a:r>
-              <a:rPr lang="en-US" dirty="0" smtClean="0"/>
-              <a:t> </a:t>
-            </a:r>
-            <a:r>
-              <a:rPr lang="en-US" dirty="0" smtClean="0"/>
-              <a:t>charts vs. granola bar charts</a:t>
-            </a:r>
-            <a:endParaRPr lang="en-US" dirty="0" smtClean="0"/>
-          </a:p>
-          <a:p>
-            <a:r>
-              <a:rPr lang="en-US" dirty="0" smtClean="0"/>
+              <a:rPr lang="en-US" dirty="0"/>
+              <a:t> charts vs. granola bar charts</a:t>
+            </a:r>
+          </a:p>
+          <a:p>
+            <a:r>
+              <a:rPr lang="en-US" dirty="0"/>
               <a:t>Extend this to another species: </a:t>
             </a:r>
-            <a:endParaRPr lang="en-US" dirty="0" smtClean="0"/>
           </a:p>
           <a:p>
             <a:pPr lvl="1"/>
             <a:r>
-              <a:rPr lang="en-US" dirty="0" smtClean="0"/>
-              <a:t>dolphins</a:t>
-            </a:r>
-            <a:r>
               <a:rPr lang="en-US" dirty="0"/>
-              <a:t>:</a:t>
-            </a:r>
-            <a:r>
-              <a:rPr lang="en-US" dirty="0" smtClean="0"/>
-              <a:t> </a:t>
-            </a:r>
-            <a:r>
-              <a:rPr lang="en-US" dirty="0" smtClean="0"/>
-              <a:t>known to be much smarter than sharks and </a:t>
-            </a:r>
-            <a:r>
-              <a:rPr lang="en-US" dirty="0" smtClean="0"/>
-              <a:t>turtles; is graphical preference related to intelligence?</a:t>
+              <a:t>dolphins: known to be much smarter than sharks and turtles; is graphical preference related to intelligence?</a:t>
             </a:r>
           </a:p>
           <a:p>
             <a:pPr lvl="1"/>
             <a:r>
-              <a:rPr lang="en-US" dirty="0" smtClean="0"/>
+              <a:rPr lang="en-US" dirty="0"/>
               <a:t>parrot fish, groupers, lobsters: what can we do??</a:t>
             </a:r>
-            <a:endParaRPr lang="en-US" dirty="0" smtClean="0"/>
-          </a:p>
-          <a:p>
-            <a:r>
-              <a:rPr lang="en-US" dirty="0" smtClean="0"/>
+          </a:p>
+          <a:p>
+            <a:r>
+              <a:rPr lang="en-US" dirty="0"/>
               <a:t>Investigate influence of </a:t>
             </a:r>
             <a:r>
-              <a:rPr lang="en-US" dirty="0" smtClean="0">
+              <a:rPr lang="en-US" dirty="0">
                 <a:solidFill>
                   <a:srgbClr val="FF0000"/>
                 </a:solidFill>
@@ -4197,14 +4374,14 @@
               <a:t>color</a:t>
             </a:r>
             <a:r>
-              <a:rPr lang="en-US" dirty="0" smtClean="0"/>
+              <a:rPr lang="en-US" dirty="0"/>
               <a:t> on graph preference</a:t>
             </a:r>
           </a:p>
           <a:p>
             <a:pPr lvl="1"/>
             <a:r>
-              <a:rPr lang="en-US" dirty="0" smtClean="0"/>
+              <a:rPr lang="en-US" dirty="0"/>
               <a:t>This can be also be studied as a function of depth, because colors  become more muted at greater depth</a:t>
             </a:r>
           </a:p>
@@ -4233,7 +4410,7 @@
           <a:p>
             <a:fld id="{621225AB-15B9-4C79-A121-04D1DC7E2307}" type="slidenum">
               <a:rPr lang="en-US" smtClean="0"/>
-              <a:t>12</a:t>
+              <a:t>13</a:t>
             </a:fld>
             <a:endParaRPr lang="en-US"/>
           </a:p>
@@ -4249,18 +4426,11 @@
   <p:clrMapOvr>
     <a:masterClrMapping/>
   </p:clrMapOvr>
-  <p:timing>
-    <p:tnLst>
-      <p:par>
-        <p:cTn id="1" dur="indefinite" restart="never" nodeType="tmRoot"/>
-      </p:par>
-    </p:tnLst>
-  </p:timing>
 </p:sld>
 </file>
 
 <file path=ppt/slides/slide2.xml><?xml version="1.0" encoding="utf-8"?>
-<p:sld xmlns:a="http://schemas.openxmlformats.org/drawingml/2006/main" xmlns:r="http://schemas.openxmlformats.org/officeDocument/2006/relationships" xmlns:p="http://schemas.openxmlformats.org/presentationml/2006/main">
+<p:sld xmlns:a="http://schemas.openxmlformats.org/drawingml/2006/main" xmlns:r="http://schemas.openxmlformats.org/officeDocument/2006/relationships" xmlns:p="http://schemas.openxmlformats.org/presentationml/2006/main" show="0">
   <p:cSld>
     <p:spTree>
       <p:nvGrpSpPr>
@@ -4323,10 +4493,9 @@
           <a:p>
             <a:pPr algn="ctr"/>
             <a:r>
-              <a:rPr lang="en-CA" sz="3200" dirty="0" smtClean="0"/>
+              <a:rPr lang="en-CA" sz="3200" dirty="0"/>
               <a:t>While you were enjoying a relaxing week without classes, I was working hard, pondering the:</a:t>
             </a:r>
-            <a:endParaRPr lang="en-CA" sz="3200" dirty="0"/>
           </a:p>
         </p:txBody>
       </p:sp>
@@ -4356,18 +4525,13 @@
           <a:p>
             <a:pPr algn="ctr"/>
             <a:r>
-              <a:rPr lang="en-CA" sz="5400" dirty="0" smtClean="0">
+              <a:rPr lang="en-CA" sz="5400" dirty="0">
                 <a:solidFill>
                   <a:schemeClr val="bg1"/>
                 </a:solidFill>
               </a:rPr>
               <a:t>Deep Questions of Data Visualization</a:t>
             </a:r>
-            <a:endParaRPr lang="en-CA" sz="5400" dirty="0">
-              <a:solidFill>
-                <a:schemeClr val="bg1"/>
-              </a:solidFill>
-            </a:endParaRPr>
           </a:p>
         </p:txBody>
       </p:sp>
@@ -4381,13 +4545,6 @@
   <p:clrMapOvr>
     <a:masterClrMapping/>
   </p:clrMapOvr>
-  <p:timing>
-    <p:tnLst>
-      <p:par>
-        <p:cTn id="1" dur="indefinite" restart="never" nodeType="tmRoot"/>
-      </p:par>
-    </p:tnLst>
-  </p:timing>
 </p:sld>
 </file>
 
@@ -4410,7 +4567,13 @@
       </p:grpSpPr>
       <p:sp>
         <p:nvSpPr>
-          <p:cNvPr id="2" name="Slide Number Placeholder 1"/>
+          <p:cNvPr id="2" name="Slide Number Placeholder 1">
+            <a:extLst>
+              <a:ext uri="{FF2B5EF4-FFF2-40B4-BE49-F238E27FC236}">
+                <a16:creationId xmlns:a16="http://schemas.microsoft.com/office/drawing/2014/main" id="{CEFFB502-FB04-5A97-56E3-5988CE92E6C6}"/>
+              </a:ext>
+            </a:extLst>
+          </p:cNvPr>
           <p:cNvSpPr>
             <a:spLocks noGrp="1"/>
           </p:cNvSpPr>
@@ -4426,6 +4589,185 @@
             <a:fld id="{621225AB-15B9-4C79-A121-04D1DC7E2307}" type="slidenum">
               <a:rPr lang="en-US" smtClean="0"/>
               <a:t>3</a:t>
+            </a:fld>
+            <a:endParaRPr lang="en-US"/>
+          </a:p>
+        </p:txBody>
+      </p:sp>
+      <p:pic>
+        <p:nvPicPr>
+          <p:cNvPr id="4" name="Picture 3" descr="A scuba diver swimming near coral reef&#10;&#10;Description automatically generated">
+            <a:extLst>
+              <a:ext uri="{FF2B5EF4-FFF2-40B4-BE49-F238E27FC236}">
+                <a16:creationId xmlns:a16="http://schemas.microsoft.com/office/drawing/2014/main" id="{43461139-F544-0619-BDDB-E0CA6799DB54}"/>
+              </a:ext>
+            </a:extLst>
+          </p:cNvPr>
+          <p:cNvPicPr>
+            <a:picLocks noChangeAspect="1"/>
+          </p:cNvPicPr>
+          <p:nvPr/>
+        </p:nvPicPr>
+        <p:blipFill>
+          <a:blip r:embed="rId2">
+            <a:extLst>
+              <a:ext uri="{28A0092B-C50C-407E-A947-70E740481C1C}">
+                <a14:useLocalDpi xmlns:a14="http://schemas.microsoft.com/office/drawing/2010/main" val="0"/>
+              </a:ext>
+            </a:extLst>
+          </a:blip>
+          <a:stretch>
+            <a:fillRect/>
+          </a:stretch>
+        </p:blipFill>
+        <p:spPr>
+          <a:xfrm>
+            <a:off x="472440" y="1938251"/>
+            <a:ext cx="8290560" cy="4663440"/>
+          </a:xfrm>
+          <a:prstGeom prst="rect">
+            <a:avLst/>
+          </a:prstGeom>
+        </p:spPr>
+      </p:pic>
+      <p:sp>
+        <p:nvSpPr>
+          <p:cNvPr id="6" name="TextBox 5">
+            <a:extLst>
+              <a:ext uri="{FF2B5EF4-FFF2-40B4-BE49-F238E27FC236}">
+                <a16:creationId xmlns:a16="http://schemas.microsoft.com/office/drawing/2014/main" id="{C1AD5815-FBD4-8770-B2DC-3134517D549C}"/>
+              </a:ext>
+            </a:extLst>
+          </p:cNvPr>
+          <p:cNvSpPr txBox="1"/>
+          <p:nvPr/>
+        </p:nvSpPr>
+        <p:spPr>
+          <a:xfrm>
+            <a:off x="838200" y="228600"/>
+            <a:ext cx="7620000" cy="1569660"/>
+          </a:xfrm>
+          <a:prstGeom prst="rect">
+            <a:avLst/>
+          </a:prstGeom>
+          <a:noFill/>
+        </p:spPr>
+        <p:txBody>
+          <a:bodyPr wrap="square">
+            <a:spAutoFit/>
+          </a:bodyPr>
+          <a:lstStyle/>
+          <a:p>
+            <a:pPr algn="ctr"/>
+            <a:r>
+              <a:rPr lang="en-CA" sz="3200" dirty="0"/>
+              <a:t>While you were enjoying a relaxing week without classes, I was working hard, pondering the:</a:t>
+            </a:r>
+          </a:p>
+        </p:txBody>
+      </p:sp>
+      <p:sp>
+        <p:nvSpPr>
+          <p:cNvPr id="7" name="Rectangle 6">
+            <a:extLst>
+              <a:ext uri="{FF2B5EF4-FFF2-40B4-BE49-F238E27FC236}">
+                <a16:creationId xmlns:a16="http://schemas.microsoft.com/office/drawing/2014/main" id="{3CB78289-0A23-330C-ADAE-9CA292B2DF3E}"/>
+              </a:ext>
+            </a:extLst>
+          </p:cNvPr>
+          <p:cNvSpPr/>
+          <p:nvPr/>
+        </p:nvSpPr>
+        <p:spPr>
+          <a:xfrm>
+            <a:off x="1371599" y="1979474"/>
+            <a:ext cx="6477001" cy="1754326"/>
+          </a:xfrm>
+          <a:prstGeom prst="rect">
+            <a:avLst/>
+          </a:prstGeom>
+          <a:noFill/>
+        </p:spPr>
+        <p:txBody>
+          <a:bodyPr wrap="square" lIns="91440" tIns="45720" rIns="91440" bIns="45720">
+            <a:spAutoFit/>
+          </a:bodyPr>
+          <a:lstStyle/>
+          <a:p>
+            <a:pPr algn="ctr"/>
+            <a:r>
+              <a:rPr lang="en-US" sz="5400" b="1" cap="none" spc="0" dirty="0">
+                <a:ln w="13462">
+                  <a:solidFill>
+                    <a:schemeClr val="bg1"/>
+                  </a:solidFill>
+                  <a:prstDash val="solid"/>
+                </a:ln>
+                <a:solidFill>
+                  <a:schemeClr val="tx1">
+                    <a:lumMod val="85000"/>
+                    <a:lumOff val="15000"/>
+                  </a:schemeClr>
+                </a:solidFill>
+                <a:effectLst>
+                  <a:outerShdw dist="38100" dir="2700000" algn="bl" rotWithShape="0">
+                    <a:schemeClr val="accent5"/>
+                  </a:outerShdw>
+                </a:effectLst>
+              </a:rPr>
+              <a:t>Deep questions of data visualization</a:t>
+            </a:r>
+          </a:p>
+        </p:txBody>
+      </p:sp>
+    </p:spTree>
+    <p:extLst>
+      <p:ext uri="{BB962C8B-B14F-4D97-AF65-F5344CB8AC3E}">
+        <p14:creationId xmlns:p14="http://schemas.microsoft.com/office/powerpoint/2010/main" val="2435667889"/>
+      </p:ext>
+    </p:extLst>
+  </p:cSld>
+  <p:clrMapOvr>
+    <a:masterClrMapping/>
+  </p:clrMapOvr>
+</p:sld>
+</file>
+
+<file path=ppt/slides/slide4.xml><?xml version="1.0" encoding="utf-8"?>
+<p:sld xmlns:a="http://schemas.openxmlformats.org/drawingml/2006/main" xmlns:r="http://schemas.openxmlformats.org/officeDocument/2006/relationships" xmlns:p="http://schemas.openxmlformats.org/presentationml/2006/main">
+  <p:cSld>
+    <p:spTree>
+      <p:nvGrpSpPr>
+        <p:cNvPr id="1" name=""/>
+        <p:cNvGrpSpPr/>
+        <p:nvPr/>
+      </p:nvGrpSpPr>
+      <p:grpSpPr>
+        <a:xfrm>
+          <a:off x="0" y="0"/>
+          <a:ext cx="0" cy="0"/>
+          <a:chOff x="0" y="0"/>
+          <a:chExt cx="0" cy="0"/>
+        </a:xfrm>
+      </p:grpSpPr>
+      <p:sp>
+        <p:nvSpPr>
+          <p:cNvPr id="2" name="Slide Number Placeholder 1"/>
+          <p:cNvSpPr>
+            <a:spLocks noGrp="1"/>
+          </p:cNvSpPr>
+          <p:nvPr>
+            <p:ph type="sldNum" sz="quarter" idx="12"/>
+          </p:nvPr>
+        </p:nvSpPr>
+        <p:spPr/>
+        <p:txBody>
+          <a:bodyPr/>
+          <a:lstStyle/>
+          <a:p>
+            <a:fld id="{621225AB-15B9-4C79-A121-04D1DC7E2307}" type="slidenum">
+              <a:rPr lang="en-US" smtClean="0"/>
+              <a:t>4</a:t>
             </a:fld>
             <a:endParaRPr lang="en-US"/>
           </a:p>
@@ -4495,32 +4837,31 @@
           <a:lstStyle/>
           <a:p>
             <a:r>
-              <a:rPr lang="en-CA" sz="2800" b="1" dirty="0" smtClean="0"/>
+              <a:rPr lang="en-CA" sz="2800" b="1" dirty="0"/>
               <a:t>The Deep Question Research Institute</a:t>
             </a:r>
             <a:r>
-              <a:rPr lang="en-CA" sz="2800" dirty="0" smtClean="0"/>
+              <a:rPr lang="en-CA" sz="2800" dirty="0"/>
               <a:t>, </a:t>
             </a:r>
           </a:p>
           <a:p>
             <a:r>
-              <a:rPr lang="en-CA" sz="2800" dirty="0" err="1" smtClean="0"/>
+              <a:rPr lang="en-CA" sz="2800" dirty="0" err="1"/>
               <a:t>NorthWest</a:t>
             </a:r>
             <a:r>
-              <a:rPr lang="en-CA" sz="2800" dirty="0" smtClean="0"/>
+              <a:rPr lang="en-CA" sz="2800" dirty="0"/>
               <a:t>  Point, </a:t>
             </a:r>
             <a:r>
-              <a:rPr lang="en-CA" sz="2800" dirty="0" err="1" smtClean="0"/>
+              <a:rPr lang="en-CA" sz="2800" dirty="0" err="1"/>
               <a:t>Providenciales</a:t>
             </a:r>
             <a:r>
-              <a:rPr lang="en-CA" sz="2800" dirty="0" smtClean="0"/>
+              <a:rPr lang="en-CA" sz="2800" dirty="0"/>
               <a:t>, Turks &amp; Caicos</a:t>
             </a:r>
-            <a:endParaRPr lang="en-CA" sz="2800" dirty="0"/>
           </a:p>
         </p:txBody>
       </p:sp>
@@ -4547,10 +4888,9 @@
           <a:lstStyle/>
           <a:p>
             <a:r>
-              <a:rPr lang="en-CA" sz="2800" dirty="0" smtClean="0"/>
+              <a:rPr lang="en-CA" sz="2800" dirty="0"/>
               <a:t>The Wall (6000’)</a:t>
             </a:r>
-            <a:endParaRPr lang="en-CA" sz="2800" dirty="0"/>
           </a:p>
         </p:txBody>
       </p:sp>
@@ -4613,10 +4953,9 @@
           <a:lstStyle/>
           <a:p>
             <a:r>
-              <a:rPr lang="en-US" dirty="0" smtClean="0"/>
+              <a:rPr lang="en-US" dirty="0"/>
               <a:t>The first scientific study of graphical preference among marine animals!</a:t>
             </a:r>
-            <a:endParaRPr lang="en-US" dirty="0"/>
           </a:p>
         </p:txBody>
       </p:sp>
@@ -4630,17 +4969,10 @@
   <p:clrMapOvr>
     <a:masterClrMapping/>
   </p:clrMapOvr>
-  <p:timing>
-    <p:tnLst>
-      <p:par>
-        <p:cTn id="1" dur="indefinite" restart="never" nodeType="tmRoot"/>
-      </p:par>
-    </p:tnLst>
-  </p:timing>
 </p:sld>
 </file>
 
-<file path=ppt/slides/slide4.xml><?xml version="1.0" encoding="utf-8"?>
+<file path=ppt/slides/slide5.xml><?xml version="1.0" encoding="utf-8"?>
 <p:sld xmlns:a="http://schemas.openxmlformats.org/drawingml/2006/main" xmlns:r="http://schemas.openxmlformats.org/officeDocument/2006/relationships" xmlns:p="http://schemas.openxmlformats.org/presentationml/2006/main">
   <p:cSld>
     <p:spTree>
@@ -4674,7 +5006,7 @@
           <a:p>
             <a:fld id="{621225AB-15B9-4C79-A121-04D1DC7E2307}" type="slidenum">
               <a:rPr lang="en-US" smtClean="0"/>
-              <a:t>4</a:t>
+              <a:t>5</a:t>
             </a:fld>
             <a:endParaRPr lang="en-US"/>
           </a:p>
@@ -4744,25 +5076,23 @@
           <a:lstStyle/>
           <a:p>
             <a:r>
-              <a:rPr lang="en-CA" sz="4000" dirty="0" smtClean="0"/>
+              <a:rPr lang="en-CA" sz="4000" dirty="0"/>
               <a:t>Research team* aboard the </a:t>
             </a:r>
             <a:r>
-              <a:rPr lang="en-CA" sz="4000" i="1" dirty="0" smtClean="0"/>
+              <a:rPr lang="en-CA" sz="4000" i="1" dirty="0"/>
               <a:t>MV Playfair</a:t>
             </a:r>
-            <a:endParaRPr lang="en-CA" sz="4000" i="1" dirty="0"/>
-          </a:p>
-          <a:p>
-            <a:endParaRPr lang="en-CA" dirty="0" smtClean="0"/>
+          </a:p>
+          <a:p>
+            <a:endParaRPr lang="en-CA" dirty="0"/>
           </a:p>
           <a:p>
             <a:pPr algn="r"/>
             <a:r>
-              <a:rPr lang="en-CA" sz="3200" dirty="0" smtClean="0"/>
+              <a:rPr lang="en-CA" sz="3200" dirty="0"/>
               <a:t>Divers suit up</a:t>
             </a:r>
-            <a:endParaRPr lang="en-CA" sz="3200" dirty="0"/>
           </a:p>
         </p:txBody>
       </p:sp>
@@ -4843,10 +5173,9 @@
           <a:lstStyle/>
           <a:p>
             <a:r>
-              <a:rPr lang="en-US" dirty="0" smtClean="0"/>
+              <a:rPr lang="en-US" dirty="0"/>
               <a:t>MV Playfair</a:t>
             </a:r>
-            <a:endParaRPr lang="en-US" dirty="0"/>
           </a:p>
         </p:txBody>
       </p:sp>
@@ -4873,14 +5202,13 @@
           <a:lstStyle/>
           <a:p>
             <a:r>
-              <a:rPr lang="en-US" sz="1400" baseline="30000" dirty="0" smtClean="0"/>
+              <a:rPr lang="en-US" sz="1400" baseline="30000" dirty="0"/>
               <a:t>*</a:t>
             </a:r>
             <a:r>
-              <a:rPr lang="en-US" sz="1400" dirty="0" smtClean="0"/>
+              <a:rPr lang="en-US" sz="1400" dirty="0"/>
               <a:t> Thanks for technical assistance from Provo Divers</a:t>
             </a:r>
-            <a:endParaRPr lang="en-US" sz="1400" dirty="0"/>
           </a:p>
         </p:txBody>
       </p:sp>
@@ -4894,17 +5222,10 @@
   <p:clrMapOvr>
     <a:masterClrMapping/>
   </p:clrMapOvr>
-  <p:timing>
-    <p:tnLst>
-      <p:par>
-        <p:cTn id="1" dur="indefinite" restart="never" nodeType="tmRoot"/>
-      </p:par>
-    </p:tnLst>
-  </p:timing>
 </p:sld>
 </file>
 
-<file path=ppt/slides/slide5.xml><?xml version="1.0" encoding="utf-8"?>
+<file path=ppt/slides/slide6.xml><?xml version="1.0" encoding="utf-8"?>
 <p:sld xmlns:a="http://schemas.openxmlformats.org/drawingml/2006/main" xmlns:r="http://schemas.openxmlformats.org/officeDocument/2006/relationships" xmlns:p="http://schemas.openxmlformats.org/presentationml/2006/main">
   <p:cSld>
     <p:spTree>
@@ -4939,10 +5260,9 @@
           <a:lstStyle/>
           <a:p>
             <a:r>
-              <a:rPr lang="en-CA" dirty="0" smtClean="0"/>
+              <a:rPr lang="en-CA" dirty="0"/>
               <a:t>Shark experiment: Pies vs. Bars</a:t>
             </a:r>
-            <a:endParaRPr lang="en-CA" dirty="0"/>
           </a:p>
         </p:txBody>
       </p:sp>
@@ -4963,7 +5283,7 @@
           <a:p>
             <a:fld id="{621225AB-15B9-4C79-A121-04D1DC7E2307}" type="slidenum">
               <a:rPr lang="en-US" smtClean="0"/>
-              <a:t>5</a:t>
+              <a:t>6</a:t>
             </a:fld>
             <a:endParaRPr lang="en-US"/>
           </a:p>
@@ -4992,11 +5312,11 @@
           <a:lstStyle/>
           <a:p>
             <a:r>
-              <a:rPr lang="en-CA" sz="3200" dirty="0" smtClean="0"/>
+              <a:rPr lang="en-CA" sz="3200" dirty="0"/>
               <a:t>Do sharks prefer </a:t>
             </a:r>
             <a:r>
-              <a:rPr lang="en-CA" sz="3200" dirty="0" smtClean="0">
+              <a:rPr lang="en-CA" sz="3200" dirty="0">
                 <a:solidFill>
                   <a:srgbClr val="FF0000"/>
                 </a:solidFill>
@@ -5004,11 +5324,11 @@
               <a:t>conch pie charts </a:t>
             </a:r>
             <a:r>
-              <a:rPr lang="en-CA" sz="3200" dirty="0" smtClean="0"/>
+              <a:rPr lang="en-CA" sz="3200" dirty="0"/>
               <a:t>or </a:t>
             </a:r>
             <a:r>
-              <a:rPr lang="en-CA" sz="3200" dirty="0" smtClean="0">
+              <a:rPr lang="en-CA" sz="3200" dirty="0">
                 <a:solidFill>
                   <a:srgbClr val="FF0000"/>
                 </a:solidFill>
@@ -5016,7 +5336,7 @@
               <a:t>granola bar charts</a:t>
             </a:r>
             <a:r>
-              <a:rPr lang="en-CA" sz="3200" dirty="0" smtClean="0"/>
+              <a:rPr lang="en-CA" sz="3200" dirty="0"/>
               <a:t>?</a:t>
             </a:r>
           </a:p>
@@ -5105,18 +5425,17 @@
           <a:lstStyle/>
           <a:p>
             <a:r>
-              <a:rPr lang="en-CA" sz="2800" dirty="0" smtClean="0"/>
+              <a:rPr lang="en-CA" sz="2800" dirty="0"/>
               <a:t>Design: Two-alternative forced-choice,  </a:t>
             </a:r>
             <a:r>
-              <a:rPr lang="en-CA" sz="2800" i="1" dirty="0" smtClean="0"/>
+              <a:rPr lang="en-CA" sz="2800" i="1" dirty="0"/>
               <a:t>n</a:t>
             </a:r>
             <a:r>
-              <a:rPr lang="en-CA" sz="2800" dirty="0" smtClean="0"/>
+              <a:rPr lang="en-CA" sz="2800" dirty="0"/>
               <a:t>=50 trials </a:t>
             </a:r>
-            <a:endParaRPr lang="en-CA" sz="2800" dirty="0"/>
           </a:p>
         </p:txBody>
       </p:sp>
@@ -5144,10 +5463,9 @@
           <a:p>
             <a:pPr algn="ctr"/>
             <a:r>
-              <a:rPr lang="en-CA" sz="2400" dirty="0" smtClean="0"/>
+              <a:rPr lang="en-CA" sz="2400" dirty="0"/>
               <a:t>Conch pie</a:t>
             </a:r>
-            <a:endParaRPr lang="en-CA" sz="2400" dirty="0"/>
           </a:p>
         </p:txBody>
       </p:sp>
@@ -5175,10 +5493,9 @@
           <a:p>
             <a:pPr algn="ctr"/>
             <a:r>
-              <a:rPr lang="en-CA" sz="2400" dirty="0" smtClean="0"/>
+              <a:rPr lang="en-CA" sz="2400" dirty="0"/>
               <a:t>Granola bar</a:t>
             </a:r>
-            <a:endParaRPr lang="en-CA" sz="2400" dirty="0"/>
           </a:p>
         </p:txBody>
       </p:sp>
@@ -5205,10 +5522,9 @@
           <a:lstStyle/>
           <a:p>
             <a:r>
-              <a:rPr lang="en-CA" sz="2400" dirty="0" smtClean="0"/>
+              <a:rPr lang="en-CA" sz="2400" dirty="0"/>
               <a:t>Sample stimulus items</a:t>
             </a:r>
-            <a:endParaRPr lang="en-CA" sz="2400" dirty="0"/>
           </a:p>
         </p:txBody>
       </p:sp>
@@ -5222,17 +5538,10 @@
   <p:clrMapOvr>
     <a:masterClrMapping/>
   </p:clrMapOvr>
-  <p:timing>
-    <p:tnLst>
-      <p:par>
-        <p:cTn id="1" dur="indefinite" restart="never" nodeType="tmRoot"/>
-      </p:par>
-    </p:tnLst>
-  </p:timing>
 </p:sld>
 </file>
 
-<file path=ppt/slides/slide6.xml><?xml version="1.0" encoding="utf-8"?>
+<file path=ppt/slides/slide7.xml><?xml version="1.0" encoding="utf-8"?>
 <p:sld xmlns:a="http://schemas.openxmlformats.org/drawingml/2006/main" xmlns:r="http://schemas.openxmlformats.org/officeDocument/2006/relationships" xmlns:p="http://schemas.openxmlformats.org/presentationml/2006/main">
   <p:cSld>
     <p:spTree>
@@ -5267,10 +5576,9 @@
           <a:lstStyle/>
           <a:p>
             <a:r>
-              <a:rPr lang="en-CA" dirty="0" smtClean="0"/>
+              <a:rPr lang="en-CA" dirty="0"/>
               <a:t>Shark experiment</a:t>
             </a:r>
-            <a:endParaRPr lang="en-CA" dirty="0"/>
           </a:p>
         </p:txBody>
       </p:sp>
@@ -5291,7 +5599,7 @@
           <a:p>
             <a:fld id="{621225AB-15B9-4C79-A121-04D1DC7E2307}" type="slidenum">
               <a:rPr lang="en-US" smtClean="0"/>
-              <a:t>6</a:t>
+              <a:t>7</a:t>
             </a:fld>
             <a:endParaRPr lang="en-US"/>
           </a:p>
@@ -5421,10 +5729,9 @@
           <a:lstStyle/>
           <a:p>
             <a:r>
-              <a:rPr lang="en-US" sz="2400" dirty="0" smtClean="0"/>
+              <a:rPr lang="en-US" sz="2400" dirty="0"/>
               <a:t>One experimental trial:</a:t>
             </a:r>
-            <a:endParaRPr lang="en-US" sz="2400" dirty="0"/>
           </a:p>
         </p:txBody>
       </p:sp>
@@ -5452,18 +5759,13 @@
           <a:p>
             <a:pPr algn="ctr"/>
             <a:r>
-              <a:rPr lang="en-US" sz="2000" b="1" dirty="0" smtClean="0">
+              <a:rPr lang="en-US" sz="2000" b="1" dirty="0">
                 <a:solidFill>
                   <a:schemeClr val="bg1"/>
                 </a:solidFill>
               </a:rPr>
               <a:t>??</a:t>
             </a:r>
-            <a:endParaRPr lang="en-US" sz="2000" b="1" dirty="0">
-              <a:solidFill>
-                <a:schemeClr val="bg1"/>
-              </a:solidFill>
-            </a:endParaRPr>
           </a:p>
         </p:txBody>
       </p:sp>
@@ -5477,25 +5779,10 @@
   <p:clrMapOvr>
     <a:masterClrMapping/>
   </p:clrMapOvr>
-  <mc:AlternateContent xmlns:mc="http://schemas.openxmlformats.org/markup-compatibility/2006">
-    <mc:Choice xmlns:p14="http://schemas.microsoft.com/office/powerpoint/2010/main" Requires="p14">
-      <p:transition spd="slow" p14:dur="2000"/>
-    </mc:Choice>
-    <mc:Fallback>
-      <p:transition spd="slow"/>
-    </mc:Fallback>
-  </mc:AlternateContent>
-  <p:timing>
-    <p:tnLst>
-      <p:par>
-        <p:cTn id="1" dur="indefinite" restart="never" nodeType="tmRoot"/>
-      </p:par>
-    </p:tnLst>
-  </p:timing>
 </p:sld>
 </file>
 
-<file path=ppt/slides/slide7.xml><?xml version="1.0" encoding="utf-8"?>
+<file path=ppt/slides/slide8.xml><?xml version="1.0" encoding="utf-8"?>
 <p:sld xmlns:a="http://schemas.openxmlformats.org/drawingml/2006/main" xmlns:r="http://schemas.openxmlformats.org/officeDocument/2006/relationships" xmlns:p="http://schemas.openxmlformats.org/presentationml/2006/main">
   <p:cSld>
     <p:spTree>
@@ -5530,10 +5817,9 @@
           <a:lstStyle/>
           <a:p>
             <a:r>
-              <a:rPr lang="en-CA" dirty="0" smtClean="0"/>
+              <a:rPr lang="en-CA" dirty="0"/>
               <a:t>Shark experiment: Pies vs. Bars</a:t>
             </a:r>
-            <a:endParaRPr lang="en-CA" dirty="0"/>
           </a:p>
         </p:txBody>
       </p:sp>
@@ -5554,7 +5840,7 @@
           <a:p>
             <a:fld id="{621225AB-15B9-4C79-A121-04D1DC7E2307}" type="slidenum">
               <a:rPr lang="en-US" smtClean="0"/>
-              <a:t>7</a:t>
+              <a:t>8</a:t>
             </a:fld>
             <a:endParaRPr lang="en-US"/>
           </a:p>
@@ -5583,10 +5869,9 @@
           <a:lstStyle/>
           <a:p>
             <a:r>
-              <a:rPr lang="en-CA" sz="2800" dirty="0" smtClean="0"/>
+              <a:rPr lang="en-CA" sz="2800" dirty="0"/>
               <a:t>Results: Sharks show an overwhelming preference for conch pie</a:t>
             </a:r>
-            <a:endParaRPr lang="en-CA" sz="2800" dirty="0"/>
           </a:p>
         </p:txBody>
       </p:sp>
@@ -5615,8 +5900,20 @@
                 <a:tableStyleId>{5C22544A-7EE6-4342-B048-85BDC9FD1C3A}</a:tableStyleId>
               </a:tblPr>
               <a:tblGrid>
-                <a:gridCol w="1333500"/>
-                <a:gridCol w="1333500"/>
+                <a:gridCol w="1333500">
+                  <a:extLst>
+                    <a:ext uri="{9D8B030D-6E8A-4147-A177-3AD203B41FA5}">
+                      <a16:colId xmlns:a16="http://schemas.microsoft.com/office/drawing/2014/main" val="20000"/>
+                    </a:ext>
+                  </a:extLst>
+                </a:gridCol>
+                <a:gridCol w="1333500">
+                  <a:extLst>
+                    <a:ext uri="{9D8B030D-6E8A-4147-A177-3AD203B41FA5}">
+                      <a16:colId xmlns:a16="http://schemas.microsoft.com/office/drawing/2014/main" val="20001"/>
+                    </a:ext>
+                  </a:extLst>
+                </a:gridCol>
               </a:tblGrid>
               <a:tr h="148496">
                 <a:tc>
@@ -5625,10 +5922,9 @@
                     <a:lstStyle/>
                     <a:p>
                       <a:r>
-                        <a:rPr lang="en-CA" sz="2000" dirty="0" smtClean="0"/>
+                        <a:rPr lang="en-CA" sz="2000" dirty="0"/>
                         <a:t>Choice</a:t>
                       </a:r>
-                      <a:endParaRPr lang="en-CA" sz="2000" dirty="0"/>
                     </a:p>
                   </a:txBody>
                   <a:tcPr/>
@@ -5639,14 +5935,18 @@
                     <a:lstStyle/>
                     <a:p>
                       <a:r>
-                        <a:rPr lang="en-CA" sz="2000" dirty="0" smtClean="0"/>
+                        <a:rPr lang="en-CA" sz="2000" dirty="0"/>
                         <a:t>n</a:t>
                       </a:r>
-                      <a:endParaRPr lang="en-CA" sz="2000" dirty="0"/>
                     </a:p>
                   </a:txBody>
                   <a:tcPr/>
                 </a:tc>
+                <a:extLst>
+                  <a:ext uri="{0D108BD9-81ED-4DB2-BD59-A6C34878D82A}">
+                    <a16:rowId xmlns:a16="http://schemas.microsoft.com/office/drawing/2014/main" val="10000"/>
+                  </a:ext>
+                </a:extLst>
               </a:tr>
               <a:tr h="370840">
                 <a:tc>
@@ -5655,10 +5955,9 @@
                     <a:lstStyle/>
                     <a:p>
                       <a:r>
-                        <a:rPr lang="en-CA" dirty="0" smtClean="0"/>
+                        <a:rPr lang="en-CA" dirty="0"/>
                         <a:t>Pie</a:t>
                       </a:r>
-                      <a:endParaRPr lang="en-CA" dirty="0"/>
                     </a:p>
                   </a:txBody>
                   <a:tcPr/>
@@ -5669,14 +5968,18 @@
                     <a:lstStyle/>
                     <a:p>
                       <a:r>
-                        <a:rPr lang="en-CA" dirty="0" smtClean="0"/>
+                        <a:rPr lang="en-CA" dirty="0"/>
                         <a:t>45</a:t>
                       </a:r>
-                      <a:endParaRPr lang="en-CA" dirty="0"/>
                     </a:p>
                   </a:txBody>
                   <a:tcPr/>
                 </a:tc>
+                <a:extLst>
+                  <a:ext uri="{0D108BD9-81ED-4DB2-BD59-A6C34878D82A}">
+                    <a16:rowId xmlns:a16="http://schemas.microsoft.com/office/drawing/2014/main" val="10001"/>
+                  </a:ext>
+                </a:extLst>
               </a:tr>
               <a:tr h="370840">
                 <a:tc>
@@ -5685,10 +5988,9 @@
                     <a:lstStyle/>
                     <a:p>
                       <a:r>
-                        <a:rPr lang="en-CA" dirty="0" smtClean="0"/>
+                        <a:rPr lang="en-CA" dirty="0"/>
                         <a:t>Bar</a:t>
                       </a:r>
-                      <a:endParaRPr lang="en-CA" dirty="0"/>
                     </a:p>
                   </a:txBody>
                   <a:tcPr/>
@@ -5699,14 +6001,18 @@
                     <a:lstStyle/>
                     <a:p>
                       <a:r>
-                        <a:rPr lang="en-CA" dirty="0" smtClean="0"/>
+                        <a:rPr lang="en-CA" dirty="0"/>
                         <a:t>4</a:t>
                       </a:r>
-                      <a:endParaRPr lang="en-CA" dirty="0"/>
                     </a:p>
                   </a:txBody>
                   <a:tcPr/>
                 </a:tc>
+                <a:extLst>
+                  <a:ext uri="{0D108BD9-81ED-4DB2-BD59-A6C34878D82A}">
+                    <a16:rowId xmlns:a16="http://schemas.microsoft.com/office/drawing/2014/main" val="10002"/>
+                  </a:ext>
+                </a:extLst>
               </a:tr>
               <a:tr h="370840">
                 <a:tc>
@@ -5715,22 +6021,17 @@
                     <a:lstStyle/>
                     <a:p>
                       <a:r>
-                        <a:rPr lang="en-CA" dirty="0" smtClean="0"/>
+                        <a:rPr lang="en-CA" dirty="0"/>
                         <a:t>Diver </a:t>
                       </a:r>
                       <a:r>
-                        <a:rPr lang="en-CA" dirty="0" smtClean="0">
+                        <a:rPr lang="en-CA" dirty="0">
                           <a:solidFill>
                             <a:srgbClr val="FF0000"/>
                           </a:solidFill>
                         </a:rPr>
                         <a:t>*</a:t>
                       </a:r>
-                      <a:endParaRPr lang="en-CA" dirty="0">
-                        <a:solidFill>
-                          <a:srgbClr val="FF0000"/>
-                        </a:solidFill>
-                      </a:endParaRPr>
                     </a:p>
                   </a:txBody>
                   <a:tcPr/>
@@ -5741,14 +6042,18 @@
                     <a:lstStyle/>
                     <a:p>
                       <a:r>
-                        <a:rPr lang="en-CA" dirty="0" smtClean="0"/>
+                        <a:rPr lang="en-CA" dirty="0"/>
                         <a:t>1</a:t>
                       </a:r>
-                      <a:endParaRPr lang="en-CA" dirty="0"/>
                     </a:p>
                   </a:txBody>
                   <a:tcPr/>
                 </a:tc>
+                <a:extLst>
+                  <a:ext uri="{0D108BD9-81ED-4DB2-BD59-A6C34878D82A}">
+                    <a16:rowId xmlns:a16="http://schemas.microsoft.com/office/drawing/2014/main" val="10003"/>
+                  </a:ext>
+                </a:extLst>
               </a:tr>
             </a:tbl>
           </a:graphicData>
@@ -5893,18 +6198,13 @@
             <a:p>
               <a:pPr algn="ctr"/>
               <a:r>
-                <a:rPr lang="en-US" sz="2000" b="1" dirty="0" smtClean="0">
+                <a:rPr lang="en-US" sz="2000" b="1" dirty="0">
                   <a:solidFill>
                     <a:schemeClr val="bg1"/>
                   </a:solidFill>
                 </a:rPr>
                 <a:t>??</a:t>
               </a:r>
-              <a:endParaRPr lang="en-US" sz="2000" b="1" dirty="0">
-                <a:solidFill>
-                  <a:schemeClr val="bg1"/>
-                </a:solidFill>
-              </a:endParaRPr>
             </a:p>
           </p:txBody>
         </p:sp>
@@ -5932,7 +6232,7 @@
           <a:lstStyle/>
           <a:p>
             <a:r>
-              <a:rPr lang="en-US" dirty="0" smtClean="0">
+              <a:rPr lang="en-US" dirty="0">
                 <a:solidFill>
                   <a:srgbClr val="FF0000"/>
                 </a:solidFill>
@@ -5940,14 +6240,13 @@
               <a:t>*</a:t>
             </a:r>
             <a:r>
-              <a:rPr lang="en-US" dirty="0" smtClean="0"/>
+              <a:rPr lang="en-US" dirty="0"/>
               <a:t> </a:t>
             </a:r>
             <a:r>
-              <a:rPr lang="en-US" sz="1600" dirty="0" smtClean="0"/>
+              <a:rPr lang="en-US" sz="1600" dirty="0"/>
               <a:t>Ethics disclosure: All divers were volunteers. None were consumed in this experiment.</a:t>
             </a:r>
-            <a:endParaRPr lang="en-US" sz="1600" dirty="0"/>
           </a:p>
         </p:txBody>
       </p:sp>
@@ -6070,7 +6369,7 @@
 </p:sld>
 </file>
 
-<file path=ppt/slides/slide8.xml><?xml version="1.0" encoding="utf-8"?>
+<file path=ppt/slides/slide9.xml><?xml version="1.0" encoding="utf-8"?>
 <p:sld xmlns:a="http://schemas.openxmlformats.org/drawingml/2006/main" xmlns:r="http://schemas.openxmlformats.org/officeDocument/2006/relationships" xmlns:p="http://schemas.openxmlformats.org/presentationml/2006/main">
   <p:cSld>
     <p:spTree>
@@ -6105,14 +6404,9 @@
           <a:lstStyle/>
           <a:p>
             <a:r>
-              <a:rPr lang="en-CA" dirty="0" smtClean="0"/>
-              <a:t>Turtle </a:t>
-            </a:r>
-            <a:r>
-              <a:rPr lang="en-CA" dirty="0" smtClean="0"/>
-              <a:t>experiment</a:t>
-            </a:r>
-            <a:endParaRPr lang="en-CA" dirty="0"/>
+              <a:rPr lang="en-CA" dirty="0"/>
+              <a:t>Turtle experiment</a:t>
+            </a:r>
           </a:p>
         </p:txBody>
       </p:sp>
@@ -6133,7 +6427,7 @@
           <a:p>
             <a:fld id="{621225AB-15B9-4C79-A121-04D1DC7E2307}" type="slidenum">
               <a:rPr lang="en-US" smtClean="0"/>
-              <a:t>8</a:t>
+              <a:t>9</a:t>
             </a:fld>
             <a:endParaRPr lang="en-US"/>
           </a:p>
@@ -6164,8 +6458,20 @@
                 <a:tableStyleId>{5C22544A-7EE6-4342-B048-85BDC9FD1C3A}</a:tableStyleId>
               </a:tblPr>
               <a:tblGrid>
-                <a:gridCol w="1333500"/>
-                <a:gridCol w="1333500"/>
+                <a:gridCol w="1333500">
+                  <a:extLst>
+                    <a:ext uri="{9D8B030D-6E8A-4147-A177-3AD203B41FA5}">
+                      <a16:colId xmlns:a16="http://schemas.microsoft.com/office/drawing/2014/main" val="20000"/>
+                    </a:ext>
+                  </a:extLst>
+                </a:gridCol>
+                <a:gridCol w="1333500">
+                  <a:extLst>
+                    <a:ext uri="{9D8B030D-6E8A-4147-A177-3AD203B41FA5}">
+                      <a16:colId xmlns:a16="http://schemas.microsoft.com/office/drawing/2014/main" val="20001"/>
+                    </a:ext>
+                  </a:extLst>
+                </a:gridCol>
               </a:tblGrid>
               <a:tr h="148496">
                 <a:tc>
@@ -6174,10 +6480,9 @@
                     <a:lstStyle/>
                     <a:p>
                       <a:r>
-                        <a:rPr lang="en-CA" sz="2000" dirty="0" smtClean="0"/>
+                        <a:rPr lang="en-CA" sz="2000" dirty="0"/>
                         <a:t>Choice</a:t>
                       </a:r>
-                      <a:endParaRPr lang="en-CA" sz="2000" dirty="0"/>
                     </a:p>
                   </a:txBody>
                   <a:tcPr/>
@@ -6188,14 +6493,18 @@
                     <a:lstStyle/>
                     <a:p>
                       <a:r>
-                        <a:rPr lang="en-CA" sz="2000" dirty="0" smtClean="0"/>
+                        <a:rPr lang="en-CA" sz="2000" dirty="0"/>
                         <a:t>n</a:t>
                       </a:r>
-                      <a:endParaRPr lang="en-CA" sz="2000" dirty="0"/>
                     </a:p>
                   </a:txBody>
                   <a:tcPr/>
                 </a:tc>
+                <a:extLst>
+                  <a:ext uri="{0D108BD9-81ED-4DB2-BD59-A6C34878D82A}">
+                    <a16:rowId xmlns:a16="http://schemas.microsoft.com/office/drawing/2014/main" val="10000"/>
+                  </a:ext>
+                </a:extLst>
               </a:tr>
               <a:tr h="370840">
                 <a:tc>
@@ -6204,10 +6513,9 @@
                     <a:lstStyle/>
                     <a:p>
                       <a:r>
-                        <a:rPr lang="en-CA" dirty="0" smtClean="0"/>
+                        <a:rPr lang="en-CA" dirty="0"/>
                         <a:t>Pie</a:t>
                       </a:r>
-                      <a:endParaRPr lang="en-CA" dirty="0"/>
                     </a:p>
                   </a:txBody>
                   <a:tcPr/>
@@ -6218,14 +6526,18 @@
                     <a:lstStyle/>
                     <a:p>
                       <a:r>
-                        <a:rPr lang="en-CA" dirty="0" smtClean="0"/>
+                        <a:rPr lang="en-CA" dirty="0"/>
                         <a:t>3</a:t>
                       </a:r>
-                      <a:endParaRPr lang="en-CA" dirty="0"/>
                     </a:p>
                   </a:txBody>
                   <a:tcPr/>
                 </a:tc>
+                <a:extLst>
+                  <a:ext uri="{0D108BD9-81ED-4DB2-BD59-A6C34878D82A}">
+                    <a16:rowId xmlns:a16="http://schemas.microsoft.com/office/drawing/2014/main" val="10001"/>
+                  </a:ext>
+                </a:extLst>
               </a:tr>
               <a:tr h="370840">
                 <a:tc>
@@ -6234,10 +6546,9 @@
                     <a:lstStyle/>
                     <a:p>
                       <a:r>
-                        <a:rPr lang="en-CA" dirty="0" smtClean="0"/>
+                        <a:rPr lang="en-CA" dirty="0"/>
                         <a:t>Bar</a:t>
                       </a:r>
-                      <a:endParaRPr lang="en-CA" dirty="0"/>
                     </a:p>
                   </a:txBody>
                   <a:tcPr/>
@@ -6248,14 +6559,18 @@
                     <a:lstStyle/>
                     <a:p>
                       <a:r>
-                        <a:rPr lang="en-CA" dirty="0" smtClean="0"/>
+                        <a:rPr lang="en-CA" dirty="0"/>
                         <a:t>47</a:t>
                       </a:r>
-                      <a:endParaRPr lang="en-CA" dirty="0"/>
                     </a:p>
                   </a:txBody>
                   <a:tcPr/>
                 </a:tc>
+                <a:extLst>
+                  <a:ext uri="{0D108BD9-81ED-4DB2-BD59-A6C34878D82A}">
+                    <a16:rowId xmlns:a16="http://schemas.microsoft.com/office/drawing/2014/main" val="10002"/>
+                  </a:ext>
+                </a:extLst>
               </a:tr>
               <a:tr h="370840">
                 <a:tc>
@@ -6264,10 +6579,9 @@
                     <a:lstStyle/>
                     <a:p>
                       <a:r>
-                        <a:rPr lang="en-CA" dirty="0" smtClean="0"/>
+                        <a:rPr lang="en-CA" dirty="0"/>
                         <a:t>Diver</a:t>
                       </a:r>
-                      <a:endParaRPr lang="en-CA" dirty="0"/>
                     </a:p>
                   </a:txBody>
                   <a:tcPr/>
@@ -6278,14 +6592,18 @@
                     <a:lstStyle/>
                     <a:p>
                       <a:r>
-                        <a:rPr lang="en-CA" dirty="0" smtClean="0"/>
+                        <a:rPr lang="en-CA" dirty="0"/>
                         <a:t>0</a:t>
                       </a:r>
-                      <a:endParaRPr lang="en-CA" dirty="0"/>
                     </a:p>
                   </a:txBody>
                   <a:tcPr/>
                 </a:tc>
+                <a:extLst>
+                  <a:ext uri="{0D108BD9-81ED-4DB2-BD59-A6C34878D82A}">
+                    <a16:rowId xmlns:a16="http://schemas.microsoft.com/office/drawing/2014/main" val="10003"/>
+                  </a:ext>
+                </a:extLst>
               </a:tr>
             </a:tbl>
           </a:graphicData>
@@ -6313,32 +6631,15 @@
           <a:lstStyle/>
           <a:p>
             <a:r>
-              <a:rPr lang="en-CA" sz="2800" dirty="0" smtClean="0"/>
+              <a:rPr lang="en-CA" sz="2800" dirty="0"/>
               <a:t>Does this generalize? What about turtles?</a:t>
             </a:r>
           </a:p>
           <a:p>
             <a:r>
-              <a:rPr lang="en-CA" sz="2800" dirty="0" smtClean="0"/>
-              <a:t>Results</a:t>
-            </a:r>
-            <a:r>
               <a:rPr lang="en-CA" sz="2800" dirty="0"/>
-              <a:t>: </a:t>
-            </a:r>
-            <a:r>
-              <a:rPr lang="en-CA" sz="2800" dirty="0" smtClean="0"/>
-              <a:t>Turtles </a:t>
-            </a:r>
-            <a:r>
-              <a:rPr lang="en-CA" sz="2800" dirty="0"/>
-              <a:t>show an overwhelming preference for </a:t>
-            </a:r>
-            <a:r>
-              <a:rPr lang="en-CA" sz="2800" dirty="0" smtClean="0"/>
-              <a:t>granola bar charts</a:t>
-            </a:r>
-            <a:endParaRPr lang="en-CA" sz="2800" dirty="0"/>
+              <a:t>Results: Turtles show an overwhelming preference for granola bar charts</a:t>
+            </a:r>
           </a:p>
         </p:txBody>
       </p:sp>
@@ -6653,162 +6954,6 @@
             </p:seq>
           </p:childTnLst>
         </p:cTn>
-      </p:par>
-    </p:tnLst>
-  </p:timing>
-</p:sld>
-</file>
-
-<file path=ppt/slides/slide9.xml><?xml version="1.0" encoding="utf-8"?>
-<p:sld xmlns:a="http://schemas.openxmlformats.org/drawingml/2006/main" xmlns:r="http://schemas.openxmlformats.org/officeDocument/2006/relationships" xmlns:p="http://schemas.openxmlformats.org/presentationml/2006/main">
-  <p:cSld>
-    <p:spTree>
-      <p:nvGrpSpPr>
-        <p:cNvPr id="1" name=""/>
-        <p:cNvGrpSpPr/>
-        <p:nvPr/>
-      </p:nvGrpSpPr>
-      <p:grpSpPr>
-        <a:xfrm>
-          <a:off x="0" y="0"/>
-          <a:ext cx="0" cy="0"/>
-          <a:chOff x="0" y="0"/>
-          <a:chExt cx="0" cy="0"/>
-        </a:xfrm>
-      </p:grpSpPr>
-      <p:sp>
-        <p:nvSpPr>
-          <p:cNvPr id="2" name="Title 1"/>
-          <p:cNvSpPr>
-            <a:spLocks noGrp="1"/>
-          </p:cNvSpPr>
-          <p:nvPr>
-            <p:ph type="title"/>
-          </p:nvPr>
-        </p:nvSpPr>
-        <p:spPr/>
-        <p:txBody>
-          <a:bodyPr>
-            <a:normAutofit fontScale="90000"/>
-          </a:bodyPr>
-          <a:lstStyle/>
-          <a:p>
-            <a:r>
-              <a:rPr lang="en-CA" dirty="0" smtClean="0"/>
-              <a:t>Visualizing the results</a:t>
-            </a:r>
-            <a:endParaRPr lang="en-CA" dirty="0"/>
-          </a:p>
-        </p:txBody>
-      </p:sp>
-      <p:sp>
-        <p:nvSpPr>
-          <p:cNvPr id="3" name="Slide Number Placeholder 2"/>
-          <p:cNvSpPr>
-            <a:spLocks noGrp="1"/>
-          </p:cNvSpPr>
-          <p:nvPr>
-            <p:ph type="sldNum" sz="quarter" idx="12"/>
-          </p:nvPr>
-        </p:nvSpPr>
-        <p:spPr/>
-        <p:txBody>
-          <a:bodyPr/>
-          <a:lstStyle/>
-          <a:p>
-            <a:fld id="{621225AB-15B9-4C79-A121-04D1DC7E2307}" type="slidenum">
-              <a:rPr lang="en-US" smtClean="0"/>
-              <a:t>9</a:t>
-            </a:fld>
-            <a:endParaRPr lang="en-US"/>
-          </a:p>
-        </p:txBody>
-      </p:sp>
-      <p:pic>
-        <p:nvPicPr>
-          <p:cNvPr id="5122" name="Picture 2" descr="C:\Users\friendly\Pictures\2018-Provo\IMG_20180225_1445314-smaller.jpg"/>
-          <p:cNvPicPr>
-            <a:picLocks noChangeAspect="1" noChangeArrowheads="1"/>
-          </p:cNvPicPr>
-          <p:nvPr/>
-        </p:nvPicPr>
-        <p:blipFill>
-          <a:blip r:embed="rId2">
-            <a:extLst>
-              <a:ext uri="{28A0092B-C50C-407E-A947-70E740481C1C}">
-                <a14:useLocalDpi xmlns:a14="http://schemas.microsoft.com/office/drawing/2010/main" val="0"/>
-              </a:ext>
-            </a:extLst>
-          </a:blip>
-          <a:srcRect/>
-          <a:stretch>
-            <a:fillRect/>
-          </a:stretch>
-        </p:blipFill>
-        <p:spPr bwMode="auto">
-          <a:xfrm>
-            <a:off x="1066800" y="1981200"/>
-            <a:ext cx="6960870" cy="4640580"/>
-          </a:xfrm>
-          <a:prstGeom prst="rect">
-            <a:avLst/>
-          </a:prstGeom>
-          <a:noFill/>
-          <a:extLst>
-            <a:ext uri="{909E8E84-426E-40DD-AFC4-6F175D3DCCD1}">
-              <a14:hiddenFill xmlns:a14="http://schemas.microsoft.com/office/drawing/2010/main">
-                <a:solidFill>
-                  <a:srgbClr val="FFFFFF"/>
-                </a:solidFill>
-              </a14:hiddenFill>
-            </a:ext>
-          </a:extLst>
-        </p:spPr>
-      </p:pic>
-      <p:sp>
-        <p:nvSpPr>
-          <p:cNvPr id="4" name="TextBox 3"/>
-          <p:cNvSpPr txBox="1"/>
-          <p:nvPr/>
-        </p:nvSpPr>
-        <p:spPr>
-          <a:xfrm>
-            <a:off x="457200" y="1143000"/>
-            <a:ext cx="8229600" cy="461665"/>
-          </a:xfrm>
-          <a:prstGeom prst="rect">
-            <a:avLst/>
-          </a:prstGeom>
-          <a:noFill/>
-        </p:spPr>
-        <p:txBody>
-          <a:bodyPr wrap="square" rtlCol="0">
-            <a:spAutoFit/>
-          </a:bodyPr>
-          <a:lstStyle/>
-          <a:p>
-            <a:r>
-              <a:rPr lang="en-US" sz="2400" dirty="0" smtClean="0"/>
-              <a:t>Successful visualizations require some time for reflection</a:t>
-            </a:r>
-            <a:endParaRPr lang="en-US" sz="2400" dirty="0"/>
-          </a:p>
-        </p:txBody>
-      </p:sp>
-    </p:spTree>
-    <p:extLst>
-      <p:ext uri="{BB962C8B-B14F-4D97-AF65-F5344CB8AC3E}">
-        <p14:creationId xmlns:p14="http://schemas.microsoft.com/office/powerpoint/2010/main" val="415895312"/>
-      </p:ext>
-    </p:extLst>
-  </p:cSld>
-  <p:clrMapOvr>
-    <a:masterClrMapping/>
-  </p:clrMapOvr>
-  <p:timing>
-    <p:tnLst>
-      <p:par>
-        <p:cTn id="1" dur="indefinite" restart="never" nodeType="tmRoot"/>
       </p:par>
     </p:tnLst>
   </p:timing>

--- a/docs/lectures/DeepQuestions.pptx
+++ b/docs/lectures/DeepQuestions.pptx
@@ -5,13 +5,13 @@
     <p:sldMasterId id="2147483660" r:id="rId1"/>
   </p:sldMasterIdLst>
   <p:handoutMasterIdLst>
-    <p:handoutMasterId r:id="rId15"/>
+    <p:handoutMasterId r:id="rId16"/>
   </p:handoutMasterIdLst>
   <p:sldIdLst>
     <p:sldId id="256" r:id="rId2"/>
-    <p:sldId id="257" r:id="rId3"/>
-    <p:sldId id="268" r:id="rId4"/>
-    <p:sldId id="258" r:id="rId5"/>
+    <p:sldId id="268" r:id="rId3"/>
+    <p:sldId id="258" r:id="rId4"/>
+    <p:sldId id="269" r:id="rId5"/>
     <p:sldId id="259" r:id="rId6"/>
     <p:sldId id="260" r:id="rId7"/>
     <p:sldId id="261" r:id="rId8"/>
@@ -21,6 +21,7 @@
     <p:sldId id="265" r:id="rId12"/>
     <p:sldId id="266" r:id="rId13"/>
     <p:sldId id="267" r:id="rId14"/>
+    <p:sldId id="270" r:id="rId15"/>
   </p:sldIdLst>
   <p:sldSz cx="9144000" cy="6858000" type="screen4x3"/>
   <p:notesSz cx="6858000" cy="9144000"/>
@@ -234,7 +235,7 @@
           <a:p>
             <a:fld id="{08BD4FA9-F3CE-45B3-A980-C331C6F1EF65}" type="datetimeFigureOut">
               <a:rPr lang="en-US" smtClean="0"/>
-              <a:t>2/25/2024</a:t>
+              <a:t>2/21/2025</a:t>
             </a:fld>
             <a:endParaRPr lang="en-US"/>
           </a:p>
@@ -507,7 +508,7 @@
           <a:p>
             <a:fld id="{EAAD3657-2200-4D14-82C0-10C39B0F0F06}" type="datetime1">
               <a:rPr lang="en-US" smtClean="0"/>
-              <a:t>2/25/2024</a:t>
+              <a:t>2/21/2025</a:t>
             </a:fld>
             <a:endParaRPr lang="en-US"/>
           </a:p>
@@ -675,7 +676,7 @@
           <a:p>
             <a:fld id="{11BBAF55-A85E-4993-914E-FC1E5AA7DF24}" type="datetime1">
               <a:rPr lang="en-US" smtClean="0"/>
-              <a:t>2/25/2024</a:t>
+              <a:t>2/21/2025</a:t>
             </a:fld>
             <a:endParaRPr lang="en-US"/>
           </a:p>
@@ -853,7 +854,7 @@
           <a:p>
             <a:fld id="{39816E07-E1DB-44A4-A5E5-9F4B54E8C933}" type="datetime1">
               <a:rPr lang="en-US" smtClean="0"/>
-              <a:t>2/25/2024</a:t>
+              <a:t>2/21/2025</a:t>
             </a:fld>
             <a:endParaRPr lang="en-US"/>
           </a:p>
@@ -1038,7 +1039,7 @@
           <a:p>
             <a:fld id="{C2B1AD17-B813-4477-8AFE-B1860CC59113}" type="datetime1">
               <a:rPr lang="en-US" smtClean="0"/>
-              <a:t>2/25/2024</a:t>
+              <a:t>2/21/2025</a:t>
             </a:fld>
             <a:endParaRPr lang="en-US"/>
           </a:p>
@@ -1283,7 +1284,7 @@
           <a:p>
             <a:fld id="{D0975C0D-5C9E-48CC-8D31-F42D19FA8F7A}" type="datetime1">
               <a:rPr lang="en-US" smtClean="0"/>
-              <a:t>2/25/2024</a:t>
+              <a:t>2/21/2025</a:t>
             </a:fld>
             <a:endParaRPr lang="en-US"/>
           </a:p>
@@ -1568,7 +1569,7 @@
           <a:p>
             <a:fld id="{28657551-0F2B-4F09-86FD-F7994CE83DC5}" type="datetime1">
               <a:rPr lang="en-US" smtClean="0"/>
-              <a:t>2/25/2024</a:t>
+              <a:t>2/21/2025</a:t>
             </a:fld>
             <a:endParaRPr lang="en-US"/>
           </a:p>
@@ -1987,7 +1988,7 @@
           <a:p>
             <a:fld id="{3929D2B2-4200-46B9-96C3-02A55D5FAA00}" type="datetime1">
               <a:rPr lang="en-US" smtClean="0"/>
-              <a:t>2/25/2024</a:t>
+              <a:t>2/21/2025</a:t>
             </a:fld>
             <a:endParaRPr lang="en-US"/>
           </a:p>
@@ -2104,7 +2105,7 @@
           <a:p>
             <a:fld id="{41FF7722-74E8-497F-A072-89677A2C2373}" type="datetime1">
               <a:rPr lang="en-US" smtClean="0"/>
-              <a:t>2/25/2024</a:t>
+              <a:t>2/21/2025</a:t>
             </a:fld>
             <a:endParaRPr lang="en-US"/>
           </a:p>
@@ -2199,7 +2200,7 @@
           <a:p>
             <a:fld id="{BD26212E-B46B-426F-AE59-AA326827D9E0}" type="datetime1">
               <a:rPr lang="en-US" smtClean="0"/>
-              <a:t>2/25/2024</a:t>
+              <a:t>2/21/2025</a:t>
             </a:fld>
             <a:endParaRPr lang="en-US"/>
           </a:p>
@@ -2474,7 +2475,7 @@
           <a:p>
             <a:fld id="{FB9B81E8-09EA-4684-A39F-38DE1E49D20C}" type="datetime1">
               <a:rPr lang="en-US" smtClean="0"/>
-              <a:t>2/25/2024</a:t>
+              <a:t>2/21/2025</a:t>
             </a:fld>
             <a:endParaRPr lang="en-US"/>
           </a:p>
@@ -2726,7 +2727,7 @@
           <a:p>
             <a:fld id="{35C5CC5F-056C-4047-9A5C-9F5B4BED129B}" type="datetime1">
               <a:rPr lang="en-US" smtClean="0"/>
-              <a:t>2/25/2024</a:t>
+              <a:t>2/21/2025</a:t>
             </a:fld>
             <a:endParaRPr lang="en-US"/>
           </a:p>
@@ -2940,7 +2941,7 @@
           <a:p>
             <a:fld id="{E8171053-07BD-4A17-AC24-0A22EAA36098}" type="datetime1">
               <a:rPr lang="en-US" smtClean="0"/>
-              <a:t>2/25/2024</a:t>
+              <a:t>2/21/2025</a:t>
             </a:fld>
             <a:endParaRPr lang="en-US"/>
           </a:p>
@@ -4158,7 +4159,7 @@
             </a:r>
             <a:r>
               <a:rPr lang="en-US" sz="2400" dirty="0"/>
-              <a:t> here was given the February 2019 </a:t>
+              <a:t> here was given the February 2024 </a:t>
             </a:r>
             <a:r>
               <a:rPr lang="en-US" sz="2400" i="1" dirty="0"/>
@@ -4228,6 +4229,42 @@
           </a:p>
         </p:txBody>
       </p:sp>
+      <p:pic>
+        <p:nvPicPr>
+          <p:cNvPr id="7" name="Picture 6" descr="A logo of a beer bottle&#10;&#10;AI-generated content may be incorrect.">
+            <a:extLst>
+              <a:ext uri="{FF2B5EF4-FFF2-40B4-BE49-F238E27FC236}">
+                <a16:creationId xmlns:a16="http://schemas.microsoft.com/office/drawing/2014/main" id="{42916385-F193-87D5-3613-DA514C46AE96}"/>
+              </a:ext>
+            </a:extLst>
+          </p:cNvPr>
+          <p:cNvPicPr>
+            <a:picLocks noChangeAspect="1"/>
+          </p:cNvPicPr>
+          <p:nvPr/>
+        </p:nvPicPr>
+        <p:blipFill>
+          <a:blip r:embed="rId3" cstate="print">
+            <a:extLst>
+              <a:ext uri="{28A0092B-C50C-407E-A947-70E740481C1C}">
+                <a14:useLocalDpi xmlns:a14="http://schemas.microsoft.com/office/drawing/2010/main" val="0"/>
+              </a:ext>
+            </a:extLst>
+          </a:blip>
+          <a:stretch>
+            <a:fillRect/>
+          </a:stretch>
+        </p:blipFill>
+        <p:spPr>
+          <a:xfrm>
+            <a:off x="5802796" y="3139264"/>
+            <a:ext cx="1805608" cy="2072932"/>
+          </a:xfrm>
+          <a:prstGeom prst="rect">
+            <a:avLst/>
+          </a:prstGeom>
+        </p:spPr>
+      </p:pic>
     </p:spTree>
     <p:extLst>
       <p:ext uri="{BB962C8B-B14F-4D97-AF65-F5344CB8AC3E}">
@@ -4341,51 +4378,6 @@
             </a:r>
           </a:p>
           <a:p>
-            <a:r>
-              <a:rPr lang="en-US" dirty="0"/>
-              <a:t>Extend this to another species: </a:t>
-            </a:r>
-          </a:p>
-          <a:p>
-            <a:pPr lvl="1"/>
-            <a:r>
-              <a:rPr lang="en-US" dirty="0"/>
-              <a:t>dolphins: known to be much smarter than sharks and turtles; is graphical preference related to intelligence?</a:t>
-            </a:r>
-          </a:p>
-          <a:p>
-            <a:pPr lvl="1"/>
-            <a:r>
-              <a:rPr lang="en-US" dirty="0"/>
-              <a:t>parrot fish, groupers, lobsters: what can we do??</a:t>
-            </a:r>
-          </a:p>
-          <a:p>
-            <a:r>
-              <a:rPr lang="en-US" dirty="0"/>
-              <a:t>Investigate influence of </a:t>
-            </a:r>
-            <a:r>
-              <a:rPr lang="en-US" dirty="0">
-                <a:solidFill>
-                  <a:srgbClr val="FF0000"/>
-                </a:solidFill>
-              </a:rPr>
-              <a:t>color</a:t>
-            </a:r>
-            <a:r>
-              <a:rPr lang="en-US" dirty="0"/>
-              <a:t> on graph preference</a:t>
-            </a:r>
-          </a:p>
-          <a:p>
-            <a:pPr lvl="1"/>
-            <a:r>
-              <a:rPr lang="en-US" dirty="0"/>
-              <a:t>This can be also be studied as a function of depth, because colors  become more muted at greater depth</a:t>
-            </a:r>
-          </a:p>
-          <a:p>
             <a:pPr marL="0" indent="0">
               <a:buNone/>
             </a:pPr>
@@ -4429,12 +4421,18 @@
 </p:sld>
 </file>
 
-<file path=ppt/slides/slide2.xml><?xml version="1.0" encoding="utf-8"?>
-<p:sld xmlns:a="http://schemas.openxmlformats.org/drawingml/2006/main" xmlns:r="http://schemas.openxmlformats.org/officeDocument/2006/relationships" xmlns:p="http://schemas.openxmlformats.org/presentationml/2006/main" show="0">
+<file path=ppt/slides/slide14.xml><?xml version="1.0" encoding="utf-8"?>
+<p:sld xmlns:a="http://schemas.openxmlformats.org/drawingml/2006/main" xmlns:r="http://schemas.openxmlformats.org/officeDocument/2006/relationships" xmlns:p="http://schemas.openxmlformats.org/presentationml/2006/main">
   <p:cSld>
     <p:spTree>
       <p:nvGrpSpPr>
-        <p:cNvPr id="1" name=""/>
+        <p:cNvPr id="1" name="">
+          <a:extLst>
+            <a:ext uri="{FF2B5EF4-FFF2-40B4-BE49-F238E27FC236}">
+              <a16:creationId xmlns:a16="http://schemas.microsoft.com/office/drawing/2014/main" id="{1AAE07D9-D784-57BF-8914-4E309F95F9CB}"/>
+            </a:ext>
+          </a:extLst>
+        </p:cNvPr>
         <p:cNvGrpSpPr/>
         <p:nvPr/>
       </p:nvGrpSpPr>
@@ -4448,7 +4446,116 @@
       </p:grpSpPr>
       <p:sp>
         <p:nvSpPr>
-          <p:cNvPr id="2" name="Slide Number Placeholder 1"/>
+          <p:cNvPr id="2" name="Title 1">
+            <a:extLst>
+              <a:ext uri="{FF2B5EF4-FFF2-40B4-BE49-F238E27FC236}">
+                <a16:creationId xmlns:a16="http://schemas.microsoft.com/office/drawing/2014/main" id="{A1BDEE22-89E8-8C30-C8C3-9449433D11AB}"/>
+              </a:ext>
+            </a:extLst>
+          </p:cNvPr>
+          <p:cNvSpPr>
+            <a:spLocks noGrp="1"/>
+          </p:cNvSpPr>
+          <p:nvPr>
+            <p:ph type="title"/>
+          </p:nvPr>
+        </p:nvSpPr>
+        <p:spPr/>
+        <p:txBody>
+          <a:bodyPr>
+            <a:normAutofit fontScale="90000"/>
+          </a:bodyPr>
+          <a:lstStyle/>
+          <a:p>
+            <a:r>
+              <a:rPr lang="en-US" dirty="0"/>
+              <a:t>Further research</a:t>
+            </a:r>
+          </a:p>
+        </p:txBody>
+      </p:sp>
+      <p:sp>
+        <p:nvSpPr>
+          <p:cNvPr id="3" name="Content Placeholder 2">
+            <a:extLst>
+              <a:ext uri="{FF2B5EF4-FFF2-40B4-BE49-F238E27FC236}">
+                <a16:creationId xmlns:a16="http://schemas.microsoft.com/office/drawing/2014/main" id="{9FCFC25D-6EE9-2E5A-3A65-1BF133C14DA7}"/>
+              </a:ext>
+            </a:extLst>
+          </p:cNvPr>
+          <p:cNvSpPr>
+            <a:spLocks noGrp="1"/>
+          </p:cNvSpPr>
+          <p:nvPr>
+            <p:ph idx="1"/>
+          </p:nvPr>
+        </p:nvSpPr>
+        <p:spPr/>
+        <p:txBody>
+          <a:bodyPr/>
+          <a:lstStyle/>
+          <a:p>
+            <a:r>
+              <a:rPr lang="en-US" dirty="0"/>
+              <a:t>Extend this to another species: </a:t>
+            </a:r>
+          </a:p>
+          <a:p>
+            <a:pPr lvl="1"/>
+            <a:r>
+              <a:rPr lang="en-US" dirty="0"/>
+              <a:t>dolphins: known to be much smarter than sharks and turtles; is graphical preference related to intelligence?</a:t>
+            </a:r>
+          </a:p>
+          <a:p>
+            <a:pPr lvl="1"/>
+            <a:r>
+              <a:rPr lang="en-US" dirty="0"/>
+              <a:t>parrot fish, groupers, lobsters: what can we do??</a:t>
+            </a:r>
+          </a:p>
+          <a:p>
+            <a:r>
+              <a:rPr lang="en-US" dirty="0"/>
+              <a:t>Investigate influence of </a:t>
+            </a:r>
+            <a:r>
+              <a:rPr lang="en-US" dirty="0">
+                <a:solidFill>
+                  <a:srgbClr val="FF0000"/>
+                </a:solidFill>
+              </a:rPr>
+              <a:t>color</a:t>
+            </a:r>
+            <a:r>
+              <a:rPr lang="en-US" dirty="0"/>
+              <a:t> on graph preference</a:t>
+            </a:r>
+          </a:p>
+          <a:p>
+            <a:pPr lvl="1"/>
+            <a:r>
+              <a:rPr lang="en-US" dirty="0"/>
+              <a:t>This can be also be studied as a function of depth, because colors  become more muted at greater depth</a:t>
+            </a:r>
+          </a:p>
+          <a:p>
+            <a:pPr marL="0" indent="0">
+              <a:buNone/>
+            </a:pPr>
+            <a:endParaRPr lang="en-US" dirty="0"/>
+          </a:p>
+        </p:txBody>
+      </p:sp>
+      <p:sp>
+        <p:nvSpPr>
+          <p:cNvPr id="4" name="Slide Number Placeholder 3">
+            <a:extLst>
+              <a:ext uri="{FF2B5EF4-FFF2-40B4-BE49-F238E27FC236}">
+                <a16:creationId xmlns:a16="http://schemas.microsoft.com/office/drawing/2014/main" id="{A4B2908D-EF49-607F-4049-F60422E8EE6A}"/>
+              </a:ext>
+            </a:extLst>
+          </p:cNvPr>
           <p:cNvSpPr>
             <a:spLocks noGrp="1"/>
           </p:cNvSpPr>
@@ -4463,82 +4570,16 @@
           <a:p>
             <a:fld id="{621225AB-15B9-4C79-A121-04D1DC7E2307}" type="slidenum">
               <a:rPr lang="en-US" smtClean="0"/>
-              <a:t>2</a:t>
+              <a:t>14</a:t>
             </a:fld>
             <a:endParaRPr lang="en-US"/>
-          </a:p>
-        </p:txBody>
-      </p:sp>
-      <p:sp>
-        <p:nvSpPr>
-          <p:cNvPr id="3" name="TextBox 2"/>
-          <p:cNvSpPr txBox="1"/>
-          <p:nvPr/>
-        </p:nvSpPr>
-        <p:spPr>
-          <a:xfrm>
-            <a:off x="609600" y="914400"/>
-            <a:ext cx="7620000" cy="1569660"/>
-          </a:xfrm>
-          <a:prstGeom prst="rect">
-            <a:avLst/>
-          </a:prstGeom>
-          <a:noFill/>
-        </p:spPr>
-        <p:txBody>
-          <a:bodyPr wrap="square" rtlCol="0">
-            <a:spAutoFit/>
-          </a:bodyPr>
-          <a:lstStyle/>
-          <a:p>
-            <a:pPr algn="ctr"/>
-            <a:r>
-              <a:rPr lang="en-CA" sz="3200" dirty="0"/>
-              <a:t>While you were enjoying a relaxing week without classes, I was working hard, pondering the:</a:t>
-            </a:r>
-          </a:p>
-        </p:txBody>
-      </p:sp>
-      <p:sp>
-        <p:nvSpPr>
-          <p:cNvPr id="4" name="TextBox 3"/>
-          <p:cNvSpPr txBox="1"/>
-          <p:nvPr/>
-        </p:nvSpPr>
-        <p:spPr>
-          <a:xfrm>
-            <a:off x="838200" y="2971800"/>
-            <a:ext cx="7162800" cy="1754326"/>
-          </a:xfrm>
-          <a:prstGeom prst="rect">
-            <a:avLst/>
-          </a:prstGeom>
-          <a:solidFill>
-            <a:srgbClr val="002060"/>
-          </a:solidFill>
-        </p:spPr>
-        <p:txBody>
-          <a:bodyPr wrap="square" rtlCol="0">
-            <a:spAutoFit/>
-          </a:bodyPr>
-          <a:lstStyle/>
-          <a:p>
-            <a:pPr algn="ctr"/>
-            <a:r>
-              <a:rPr lang="en-CA" sz="5400" dirty="0">
-                <a:solidFill>
-                  <a:schemeClr val="bg1"/>
-                </a:solidFill>
-              </a:rPr>
-              <a:t>Deep Questions of Data Visualization</a:t>
-            </a:r>
           </a:p>
         </p:txBody>
       </p:sp>
     </p:spTree>
     <p:extLst>
       <p:ext uri="{BB962C8B-B14F-4D97-AF65-F5344CB8AC3E}">
-        <p14:creationId xmlns:p14="http://schemas.microsoft.com/office/powerpoint/2010/main" val="2570832178"/>
+        <p14:creationId xmlns:p14="http://schemas.microsoft.com/office/powerpoint/2010/main" val="3293261069"/>
       </p:ext>
     </p:extLst>
   </p:cSld>
@@ -4548,7 +4589,7 @@
 </p:sld>
 </file>
 
-<file path=ppt/slides/slide3.xml><?xml version="1.0" encoding="utf-8"?>
+<file path=ppt/slides/slide2.xml><?xml version="1.0" encoding="utf-8"?>
 <p:sld xmlns:a="http://schemas.openxmlformats.org/drawingml/2006/main" xmlns:r="http://schemas.openxmlformats.org/officeDocument/2006/relationships" xmlns:p="http://schemas.openxmlformats.org/presentationml/2006/main">
   <p:cSld>
     <p:spTree>
@@ -4588,7 +4629,7 @@
           <a:p>
             <a:fld id="{621225AB-15B9-4C79-A121-04D1DC7E2307}" type="slidenum">
               <a:rPr lang="en-US" smtClean="0"/>
-              <a:t>3</a:t>
+              <a:t>2</a:t>
             </a:fld>
             <a:endParaRPr lang="en-US"/>
           </a:p>
@@ -4733,7 +4774,7 @@
 </p:sld>
 </file>
 
-<file path=ppt/slides/slide4.xml><?xml version="1.0" encoding="utf-8"?>
+<file path=ppt/slides/slide3.xml><?xml version="1.0" encoding="utf-8"?>
 <p:sld xmlns:a="http://schemas.openxmlformats.org/drawingml/2006/main" xmlns:r="http://schemas.openxmlformats.org/officeDocument/2006/relationships" xmlns:p="http://schemas.openxmlformats.org/presentationml/2006/main">
   <p:cSld>
     <p:spTree>
@@ -4767,7 +4808,7 @@
           <a:p>
             <a:fld id="{621225AB-15B9-4C79-A121-04D1DC7E2307}" type="slidenum">
               <a:rPr lang="en-US" smtClean="0"/>
-              <a:t>4</a:t>
+              <a:t>3</a:t>
             </a:fld>
             <a:endParaRPr lang="en-US"/>
           </a:p>
@@ -4963,6 +5004,441 @@
     <p:extLst>
       <p:ext uri="{BB962C8B-B14F-4D97-AF65-F5344CB8AC3E}">
         <p14:creationId xmlns:p14="http://schemas.microsoft.com/office/powerpoint/2010/main" val="279807329"/>
+      </p:ext>
+    </p:extLst>
+  </p:cSld>
+  <p:clrMapOvr>
+    <a:masterClrMapping/>
+  </p:clrMapOvr>
+</p:sld>
+</file>
+
+<file path=ppt/slides/slide4.xml><?xml version="1.0" encoding="utf-8"?>
+<p:sld xmlns:a="http://schemas.openxmlformats.org/drawingml/2006/main" xmlns:r="http://schemas.openxmlformats.org/officeDocument/2006/relationships" xmlns:p="http://schemas.openxmlformats.org/presentationml/2006/main">
+  <p:cSld>
+    <p:bg>
+      <p:bgPr>
+        <a:solidFill>
+          <a:schemeClr val="bg1"/>
+        </a:solidFill>
+        <a:effectLst/>
+      </p:bgPr>
+    </p:bg>
+    <p:spTree>
+      <p:nvGrpSpPr>
+        <p:cNvPr id="1" name=""/>
+        <p:cNvGrpSpPr/>
+        <p:nvPr/>
+      </p:nvGrpSpPr>
+      <p:grpSpPr>
+        <a:xfrm>
+          <a:off x="0" y="0"/>
+          <a:ext cx="0" cy="0"/>
+          <a:chOff x="0" y="0"/>
+          <a:chExt cx="0" cy="0"/>
+        </a:xfrm>
+      </p:grpSpPr>
+      <p:sp>
+        <p:nvSpPr>
+          <p:cNvPr id="12" name="Rectangle 11">
+            <a:extLst>
+              <a:ext uri="{FF2B5EF4-FFF2-40B4-BE49-F238E27FC236}">
+                <a16:creationId xmlns:a16="http://schemas.microsoft.com/office/drawing/2014/main" id="{27BDFED6-6E33-4606-AFE2-886ADB1C018E}"/>
+              </a:ext>
+              <a:ext uri="{C183D7F6-B498-43B3-948B-1728B52AA6E4}">
+                <adec:decorative xmlns:adec="http://schemas.microsoft.com/office/drawing/2017/decorative" val="1"/>
+              </a:ext>
+            </a:extLst>
+          </p:cNvPr>
+          <p:cNvSpPr>
+            <a:spLocks noGrp="1" noRot="1" noChangeAspect="1" noMove="1" noResize="1" noEditPoints="1" noAdjustHandles="1" noChangeArrowheads="1" noChangeShapeType="1" noTextEdit="1"/>
+          </p:cNvSpPr>
+          <p:nvPr>
+            <p:extLst>
+              <p:ext uri="{386F3935-93C4-4BCD-93E2-E3B085C9AB24}">
+                <p16:designElem xmlns:p16="http://schemas.microsoft.com/office/powerpoint/2015/main" val="1"/>
+              </p:ext>
+            </p:extLst>
+          </p:nvPr>
+        </p:nvSpPr>
+        <p:spPr>
+          <a:xfrm>
+            <a:off x="0" y="0"/>
+            <a:ext cx="9144000" cy="6858000"/>
+          </a:xfrm>
+          <a:prstGeom prst="rect">
+            <a:avLst/>
+          </a:prstGeom>
+          <a:solidFill>
+            <a:schemeClr val="tx1">
+              <a:lumMod val="95000"/>
+              <a:lumOff val="5000"/>
+            </a:schemeClr>
+          </a:solidFill>
+          <a:ln>
+            <a:noFill/>
+          </a:ln>
+        </p:spPr>
+        <p:style>
+          <a:lnRef idx="2">
+            <a:schemeClr val="accent1">
+              <a:shade val="50000"/>
+            </a:schemeClr>
+          </a:lnRef>
+          <a:fillRef idx="1">
+            <a:schemeClr val="accent1"/>
+          </a:fillRef>
+          <a:effectRef idx="0">
+            <a:schemeClr val="accent1"/>
+          </a:effectRef>
+          <a:fontRef idx="minor">
+            <a:schemeClr val="lt1"/>
+          </a:fontRef>
+        </p:style>
+        <p:txBody>
+          <a:bodyPr rtlCol="0" anchor="ctr"/>
+          <a:lstStyle/>
+          <a:p>
+            <a:pPr algn="ctr"/>
+            <a:endParaRPr lang="en-US" dirty="0"/>
+          </a:p>
+        </p:txBody>
+      </p:sp>
+      <p:pic>
+        <p:nvPicPr>
+          <p:cNvPr id="6" name="Picture 5" descr="A map of a body of water&#10;&#10;AI-generated content may be incorrect.">
+            <a:extLst>
+              <a:ext uri="{FF2B5EF4-FFF2-40B4-BE49-F238E27FC236}">
+                <a16:creationId xmlns:a16="http://schemas.microsoft.com/office/drawing/2014/main" id="{A4CCB761-2E12-E34A-5E0B-14A2630685F0}"/>
+              </a:ext>
+            </a:extLst>
+          </p:cNvPr>
+          <p:cNvPicPr>
+            <a:picLocks noChangeAspect="1"/>
+          </p:cNvPicPr>
+          <p:nvPr/>
+        </p:nvPicPr>
+        <p:blipFill>
+          <a:blip r:embed="rId2">
+            <a:extLst>
+              <a:ext uri="{28A0092B-C50C-407E-A947-70E740481C1C}">
+                <a14:useLocalDpi xmlns:a14="http://schemas.microsoft.com/office/drawing/2010/main" val="0"/>
+              </a:ext>
+            </a:extLst>
+          </a:blip>
+          <a:srcRect t="2288" r="3" b="20220"/>
+          <a:stretch/>
+        </p:blipFill>
+        <p:spPr>
+          <a:xfrm>
+            <a:off x="995153" y="2171307"/>
+            <a:ext cx="8148846" cy="4515153"/>
+          </a:xfrm>
+          <a:prstGeom prst="rect">
+            <a:avLst/>
+          </a:prstGeom>
+        </p:spPr>
+      </p:pic>
+      <p:sp>
+        <p:nvSpPr>
+          <p:cNvPr id="14" name="Rectangle 13">
+            <a:extLst>
+              <a:ext uri="{FF2B5EF4-FFF2-40B4-BE49-F238E27FC236}">
+                <a16:creationId xmlns:a16="http://schemas.microsoft.com/office/drawing/2014/main" id="{890DEF05-784E-4B61-89E4-04C4ECF4E5A0}"/>
+              </a:ext>
+              <a:ext uri="{C183D7F6-B498-43B3-948B-1728B52AA6E4}">
+                <adec:decorative xmlns:adec="http://schemas.microsoft.com/office/drawing/2017/decorative" val="1"/>
+              </a:ext>
+            </a:extLst>
+          </p:cNvPr>
+          <p:cNvSpPr>
+            <a:spLocks noGrp="1" noRot="1" noChangeAspect="1" noMove="1" noResize="1" noEditPoints="1" noAdjustHandles="1" noChangeArrowheads="1" noChangeShapeType="1" noTextEdit="1"/>
+          </p:cNvSpPr>
+          <p:nvPr>
+            <p:extLst>
+              <p:ext uri="{386F3935-93C4-4BCD-93E2-E3B085C9AB24}">
+                <p16:designElem xmlns:p16="http://schemas.microsoft.com/office/powerpoint/2015/main" val="1"/>
+              </p:ext>
+            </p:extLst>
+          </p:nvPr>
+        </p:nvSpPr>
+        <p:spPr>
+          <a:xfrm>
+            <a:off x="0" y="0"/>
+            <a:ext cx="9144000" cy="6858000"/>
+          </a:xfrm>
+          <a:prstGeom prst="rect">
+            <a:avLst/>
+          </a:prstGeom>
+          <a:gradFill>
+            <a:gsLst>
+              <a:gs pos="36000">
+                <a:schemeClr val="tx1">
+                  <a:lumMod val="95000"/>
+                  <a:lumOff val="5000"/>
+                </a:schemeClr>
+              </a:gs>
+              <a:gs pos="81000">
+                <a:schemeClr val="tx1">
+                  <a:lumMod val="95000"/>
+                  <a:lumOff val="5000"/>
+                  <a:alpha val="0"/>
+                </a:schemeClr>
+              </a:gs>
+            </a:gsLst>
+            <a:lin ang="0" scaled="0"/>
+          </a:gradFill>
+          <a:ln>
+            <a:noFill/>
+          </a:ln>
+        </p:spPr>
+        <p:style>
+          <a:lnRef idx="2">
+            <a:schemeClr val="accent1">
+              <a:shade val="50000"/>
+            </a:schemeClr>
+          </a:lnRef>
+          <a:fillRef idx="1">
+            <a:schemeClr val="accent1"/>
+          </a:fillRef>
+          <a:effectRef idx="0">
+            <a:schemeClr val="accent1"/>
+          </a:effectRef>
+          <a:fontRef idx="minor">
+            <a:schemeClr val="lt1"/>
+          </a:fontRef>
+        </p:style>
+        <p:txBody>
+          <a:bodyPr rtlCol="0" anchor="ctr"/>
+          <a:lstStyle/>
+          <a:p>
+            <a:pPr algn="ctr"/>
+            <a:endParaRPr lang="en-US"/>
+          </a:p>
+        </p:txBody>
+      </p:sp>
+      <p:sp>
+        <p:nvSpPr>
+          <p:cNvPr id="7" name="TextBox 6">
+            <a:extLst>
+              <a:ext uri="{FF2B5EF4-FFF2-40B4-BE49-F238E27FC236}">
+                <a16:creationId xmlns:a16="http://schemas.microsoft.com/office/drawing/2014/main" id="{9A6DAFAF-3B94-8E43-1CB3-DF5504F9531F}"/>
+              </a:ext>
+            </a:extLst>
+          </p:cNvPr>
+          <p:cNvSpPr txBox="1"/>
+          <p:nvPr/>
+        </p:nvSpPr>
+        <p:spPr>
+          <a:xfrm>
+            <a:off x="229143" y="375038"/>
+            <a:ext cx="6457950" cy="1262857"/>
+          </a:xfrm>
+          <a:prstGeom prst="rect">
+            <a:avLst/>
+          </a:prstGeom>
+        </p:spPr>
+        <p:txBody>
+          <a:bodyPr vert="horz" lIns="91440" tIns="45720" rIns="91440" bIns="45720" rtlCol="0" anchor="b">
+            <a:normAutofit fontScale="92500"/>
+          </a:bodyPr>
+          <a:lstStyle/>
+          <a:p>
+            <a:pPr>
+              <a:lnSpc>
+                <a:spcPct val="90000"/>
+              </a:lnSpc>
+              <a:spcBef>
+                <a:spcPct val="0"/>
+              </a:spcBef>
+              <a:spcAft>
+                <a:spcPts val="600"/>
+              </a:spcAft>
+            </a:pPr>
+            <a:r>
+              <a:rPr lang="en-US" sz="3700" kern="1200" dirty="0">
+                <a:solidFill>
+                  <a:schemeClr val="bg1"/>
+                </a:solidFill>
+                <a:latin typeface="+mj-lt"/>
+                <a:ea typeface="+mj-ea"/>
+                <a:cs typeface="+mj-cs"/>
+              </a:rPr>
+              <a:t>Deep Questions Research Institute</a:t>
+            </a:r>
+          </a:p>
+          <a:p>
+            <a:pPr>
+              <a:lnSpc>
+                <a:spcPct val="90000"/>
+              </a:lnSpc>
+              <a:spcBef>
+                <a:spcPct val="0"/>
+              </a:spcBef>
+              <a:spcAft>
+                <a:spcPts val="600"/>
+              </a:spcAft>
+            </a:pPr>
+            <a:r>
+              <a:rPr lang="en-US" sz="3700" kern="1200" dirty="0">
+                <a:solidFill>
+                  <a:schemeClr val="bg1"/>
+                </a:solidFill>
+                <a:latin typeface="+mj-lt"/>
+                <a:ea typeface="+mj-ea"/>
+                <a:cs typeface="+mj-cs"/>
+              </a:rPr>
+              <a:t>Great Exuma, Bahamas</a:t>
+            </a:r>
+          </a:p>
+        </p:txBody>
+      </p:sp>
+      <p:cxnSp>
+        <p:nvCxnSpPr>
+          <p:cNvPr id="16" name="Straight Connector 15">
+            <a:extLst>
+              <a:ext uri="{FF2B5EF4-FFF2-40B4-BE49-F238E27FC236}">
+                <a16:creationId xmlns:a16="http://schemas.microsoft.com/office/drawing/2014/main" id="{C41BAEC7-F7B0-4224-8B18-8F74B7D87F0B}"/>
+              </a:ext>
+              <a:ext uri="{C183D7F6-B498-43B3-948B-1728B52AA6E4}">
+                <adec:decorative xmlns:adec="http://schemas.microsoft.com/office/drawing/2017/decorative" val="1"/>
+              </a:ext>
+            </a:extLst>
+          </p:cNvPr>
+          <p:cNvCxnSpPr>
+            <a:cxnSpLocks noGrp="1" noRot="1" noChangeAspect="1" noMove="1" noResize="1" noEditPoints="1" noAdjustHandles="1" noChangeArrowheads="1" noChangeShapeType="1"/>
+          </p:cNvCxnSpPr>
+          <p:nvPr>
+            <p:extLst>
+              <p:ext uri="{386F3935-93C4-4BCD-93E2-E3B085C9AB24}">
+                <p16:designElem xmlns:p16="http://schemas.microsoft.com/office/powerpoint/2015/main" val="1"/>
+              </p:ext>
+            </p:extLst>
+          </p:nvPr>
+        </p:nvCxnSpPr>
+        <p:spPr>
+          <a:xfrm flipH="1">
+            <a:off x="628650" y="3681408"/>
+            <a:ext cx="8515349" cy="0"/>
+          </a:xfrm>
+          <a:prstGeom prst="line">
+            <a:avLst/>
+          </a:prstGeom>
+          <a:ln w="12700">
+            <a:solidFill>
+              <a:schemeClr val="accent2"/>
+            </a:solidFill>
+          </a:ln>
+        </p:spPr>
+        <p:style>
+          <a:lnRef idx="1">
+            <a:schemeClr val="accent1"/>
+          </a:lnRef>
+          <a:fillRef idx="0">
+            <a:schemeClr val="accent1"/>
+          </a:fillRef>
+          <a:effectRef idx="0">
+            <a:schemeClr val="accent1"/>
+          </a:effectRef>
+          <a:fontRef idx="minor">
+            <a:schemeClr val="tx1"/>
+          </a:fontRef>
+        </p:style>
+      </p:cxnSp>
+      <p:sp>
+        <p:nvSpPr>
+          <p:cNvPr id="2" name="Slide Number Placeholder 1">
+            <a:extLst>
+              <a:ext uri="{FF2B5EF4-FFF2-40B4-BE49-F238E27FC236}">
+                <a16:creationId xmlns:a16="http://schemas.microsoft.com/office/drawing/2014/main" id="{60B4B432-1632-5577-F365-6AFE96447472}"/>
+              </a:ext>
+            </a:extLst>
+          </p:cNvPr>
+          <p:cNvSpPr>
+            <a:spLocks noGrp="1"/>
+          </p:cNvSpPr>
+          <p:nvPr>
+            <p:ph type="sldNum" sz="quarter" idx="12"/>
+          </p:nvPr>
+        </p:nvSpPr>
+        <p:spPr>
+          <a:xfrm>
+            <a:off x="6457950" y="6356350"/>
+            <a:ext cx="2057400" cy="365125"/>
+          </a:xfrm>
+        </p:spPr>
+        <p:txBody>
+          <a:bodyPr vert="horz" lIns="91440" tIns="45720" rIns="91440" bIns="45720" rtlCol="0" anchor="ctr">
+            <a:normAutofit/>
+          </a:bodyPr>
+          <a:lstStyle/>
+          <a:p>
+            <a:pPr>
+              <a:spcAft>
+                <a:spcPts val="600"/>
+              </a:spcAft>
+            </a:pPr>
+            <a:fld id="{621225AB-15B9-4C79-A121-04D1DC7E2307}" type="slidenum">
+              <a:rPr lang="en-US">
+                <a:solidFill>
+                  <a:srgbClr val="FFFFFF"/>
+                </a:solidFill>
+              </a:rPr>
+              <a:pPr>
+                <a:spcAft>
+                  <a:spcPts val="600"/>
+                </a:spcAft>
+              </a:pPr>
+              <a:t>4</a:t>
+            </a:fld>
+            <a:endParaRPr lang="en-US">
+              <a:solidFill>
+                <a:srgbClr val="FFFFFF"/>
+              </a:solidFill>
+            </a:endParaRPr>
+          </a:p>
+        </p:txBody>
+      </p:sp>
+      <p:pic>
+        <p:nvPicPr>
+          <p:cNvPr id="9" name="Picture 8" descr="A yellow text and a sword&#10;&#10;AI-generated content may be incorrect.">
+            <a:extLst>
+              <a:ext uri="{FF2B5EF4-FFF2-40B4-BE49-F238E27FC236}">
+                <a16:creationId xmlns:a16="http://schemas.microsoft.com/office/drawing/2014/main" id="{99D61262-3C55-E4F7-C4B1-1B5451C3CB19}"/>
+              </a:ext>
+            </a:extLst>
+          </p:cNvPr>
+          <p:cNvPicPr>
+            <a:picLocks noChangeAspect="1"/>
+          </p:cNvPicPr>
+          <p:nvPr/>
+        </p:nvPicPr>
+        <p:blipFill>
+          <a:blip r:embed="rId3">
+            <a:extLst>
+              <a:ext uri="{28A0092B-C50C-407E-A947-70E740481C1C}">
+                <a14:useLocalDpi xmlns:a14="http://schemas.microsoft.com/office/drawing/2010/main" val="0"/>
+              </a:ext>
+            </a:extLst>
+          </a:blip>
+          <a:stretch>
+            <a:fillRect/>
+          </a:stretch>
+        </p:blipFill>
+        <p:spPr>
+          <a:xfrm>
+            <a:off x="16914" y="1637895"/>
+            <a:ext cx="6002886" cy="1935141"/>
+          </a:xfrm>
+          <a:prstGeom prst="rect">
+            <a:avLst/>
+          </a:prstGeom>
+        </p:spPr>
+      </p:pic>
+    </p:spTree>
+    <p:extLst>
+      <p:ext uri="{BB962C8B-B14F-4D97-AF65-F5344CB8AC3E}">
+        <p14:creationId xmlns:p14="http://schemas.microsoft.com/office/powerpoint/2010/main" val="1166231196"/>
       </p:ext>
     </p:extLst>
   </p:cSld>
@@ -5207,7 +5683,7 @@
             </a:r>
             <a:r>
               <a:rPr lang="en-US" sz="1400" dirty="0"/>
-              <a:t> Thanks for technical assistance from Provo Divers</a:t>
+              <a:t> Thanks for technical assistance from Dive Exuma</a:t>
             </a:r>
           </a:p>
         </p:txBody>
@@ -5364,24 +5840,207 @@
         </p:blipFill>
         <p:spPr>
           <a:xfrm>
-            <a:off x="685799" y="3886200"/>
-            <a:ext cx="2304138" cy="2340000"/>
+            <a:off x="685799" y="3851341"/>
+            <a:ext cx="2590800" cy="2631124"/>
           </a:xfrm>
           <a:prstGeom prst="rect">
             <a:avLst/>
           </a:prstGeom>
         </p:spPr>
       </p:pic>
+      <p:sp>
+        <p:nvSpPr>
+          <p:cNvPr id="7" name="TextBox 6"/>
+          <p:cNvSpPr txBox="1"/>
+          <p:nvPr/>
+        </p:nvSpPr>
+        <p:spPr>
+          <a:xfrm>
+            <a:off x="533400" y="2514600"/>
+            <a:ext cx="7924800" cy="523220"/>
+          </a:xfrm>
+          <a:prstGeom prst="rect">
+            <a:avLst/>
+          </a:prstGeom>
+          <a:noFill/>
+        </p:spPr>
+        <p:txBody>
+          <a:bodyPr wrap="square" rtlCol="0">
+            <a:spAutoFit/>
+          </a:bodyPr>
+          <a:lstStyle/>
+          <a:p>
+            <a:r>
+              <a:rPr lang="en-CA" sz="2800" dirty="0"/>
+              <a:t>Design: Two-alternative forced-choice,  </a:t>
+            </a:r>
+            <a:r>
+              <a:rPr lang="en-CA" sz="2800" i="1" dirty="0"/>
+              <a:t>n</a:t>
+            </a:r>
+            <a:r>
+              <a:rPr lang="en-CA" sz="2800" dirty="0"/>
+              <a:t>=50 trials </a:t>
+            </a:r>
+          </a:p>
+        </p:txBody>
+      </p:sp>
+      <p:sp>
+        <p:nvSpPr>
+          <p:cNvPr id="8" name="TextBox 7"/>
+          <p:cNvSpPr txBox="1"/>
+          <p:nvPr/>
+        </p:nvSpPr>
+        <p:spPr>
+          <a:xfrm>
+            <a:off x="533400" y="3358516"/>
+            <a:ext cx="2590800" cy="461665"/>
+          </a:xfrm>
+          <a:prstGeom prst="rect">
+            <a:avLst/>
+          </a:prstGeom>
+          <a:noFill/>
+        </p:spPr>
+        <p:txBody>
+          <a:bodyPr wrap="square" rtlCol="0">
+            <a:spAutoFit/>
+          </a:bodyPr>
+          <a:lstStyle/>
+          <a:p>
+            <a:pPr algn="ctr"/>
+            <a:r>
+              <a:rPr lang="en-CA" sz="2400" dirty="0"/>
+              <a:t>Conch pie</a:t>
+            </a:r>
+          </a:p>
+        </p:txBody>
+      </p:sp>
+      <p:grpSp>
+        <p:nvGrpSpPr>
+          <p:cNvPr id="13" name="Group 12">
+            <a:extLst>
+              <a:ext uri="{FF2B5EF4-FFF2-40B4-BE49-F238E27FC236}">
+                <a16:creationId xmlns:a16="http://schemas.microsoft.com/office/drawing/2014/main" id="{B742D551-3EE1-1169-7298-22F6296618DC}"/>
+              </a:ext>
+            </a:extLst>
+          </p:cNvPr>
+          <p:cNvGrpSpPr/>
+          <p:nvPr/>
+        </p:nvGrpSpPr>
+        <p:grpSpPr>
+          <a:xfrm>
+            <a:off x="4677230" y="3393375"/>
+            <a:ext cx="2409370" cy="3129747"/>
+            <a:chOff x="4372430" y="3393375"/>
+            <a:chExt cx="2409370" cy="3129747"/>
+          </a:xfrm>
+        </p:grpSpPr>
+        <p:pic>
+          <p:nvPicPr>
+            <p:cNvPr id="6" name="Picture 5"/>
+            <p:cNvPicPr>
+              <a:picLocks noChangeAspect="1"/>
+            </p:cNvPicPr>
+            <p:nvPr/>
+          </p:nvPicPr>
+          <p:blipFill>
+            <a:blip r:embed="rId3">
+              <a:extLst>
+                <a:ext uri="{28A0092B-C50C-407E-A947-70E740481C1C}">
+                  <a14:useLocalDpi xmlns:a14="http://schemas.microsoft.com/office/drawing/2010/main" val="0"/>
+                </a:ext>
+              </a:extLst>
+            </a:blip>
+            <a:stretch>
+              <a:fillRect/>
+            </a:stretch>
+          </p:blipFill>
+          <p:spPr>
+            <a:xfrm>
+              <a:off x="4372430" y="3886200"/>
+              <a:ext cx="2409370" cy="2636922"/>
+            </a:xfrm>
+            <a:prstGeom prst="rect">
+              <a:avLst/>
+            </a:prstGeom>
+          </p:spPr>
+        </p:pic>
+        <p:sp>
+          <p:nvSpPr>
+            <p:cNvPr id="9" name="TextBox 8"/>
+            <p:cNvSpPr txBox="1"/>
+            <p:nvPr/>
+          </p:nvSpPr>
+          <p:spPr>
+            <a:xfrm>
+              <a:off x="4495800" y="3393375"/>
+              <a:ext cx="2138072" cy="461665"/>
+            </a:xfrm>
+            <a:prstGeom prst="rect">
+              <a:avLst/>
+            </a:prstGeom>
+            <a:noFill/>
+          </p:spPr>
+          <p:txBody>
+            <a:bodyPr wrap="square" rtlCol="0">
+              <a:spAutoFit/>
+            </a:bodyPr>
+            <a:lstStyle/>
+            <a:p>
+              <a:pPr algn="ctr"/>
+              <a:r>
+                <a:rPr lang="en-CA" sz="2400" dirty="0"/>
+                <a:t>Granola bar</a:t>
+              </a:r>
+            </a:p>
+          </p:txBody>
+        </p:sp>
+      </p:grpSp>
+      <p:sp>
+        <p:nvSpPr>
+          <p:cNvPr id="10" name="TextBox 9"/>
+          <p:cNvSpPr txBox="1"/>
+          <p:nvPr/>
+        </p:nvSpPr>
+        <p:spPr>
+          <a:xfrm>
+            <a:off x="7239000" y="3805781"/>
+            <a:ext cx="1781175" cy="1200329"/>
+          </a:xfrm>
+          <a:prstGeom prst="rect">
+            <a:avLst/>
+          </a:prstGeom>
+          <a:noFill/>
+        </p:spPr>
+        <p:txBody>
+          <a:bodyPr wrap="square" rtlCol="0">
+            <a:spAutoFit/>
+          </a:bodyPr>
+          <a:lstStyle/>
+          <a:p>
+            <a:r>
+              <a:rPr lang="en-CA" sz="2400" dirty="0"/>
+              <a:t>Sample stimulus items</a:t>
+            </a:r>
+          </a:p>
+        </p:txBody>
+      </p:sp>
       <p:pic>
         <p:nvPicPr>
-          <p:cNvPr id="6" name="Picture 5"/>
+          <p:cNvPr id="12" name="Picture 11" descr="A cartoon of a shark&#10;&#10;AI-generated content may be incorrect.">
+            <a:extLst>
+              <a:ext uri="{FF2B5EF4-FFF2-40B4-BE49-F238E27FC236}">
+                <a16:creationId xmlns:a16="http://schemas.microsoft.com/office/drawing/2014/main" id="{0B298585-048B-5156-2994-6AFFC1C77F77}"/>
+              </a:ext>
+            </a:extLst>
+          </p:cNvPr>
           <p:cNvPicPr>
             <a:picLocks noChangeAspect="1"/>
           </p:cNvPicPr>
           <p:nvPr/>
         </p:nvPicPr>
         <p:blipFill>
-          <a:blip r:embed="rId3">
+          <a:blip r:embed="rId4">
             <a:extLst>
               <a:ext uri="{28A0092B-C50C-407E-A947-70E740481C1C}">
                 <a14:useLocalDpi xmlns:a14="http://schemas.microsoft.com/office/drawing/2010/main" val="0"/>
@@ -5394,140 +6053,50 @@
         </p:blipFill>
         <p:spPr>
           <a:xfrm>
-            <a:off x="3809999" y="3886200"/>
-            <a:ext cx="2138071" cy="2340000"/>
+            <a:off x="3053305" y="2977065"/>
+            <a:ext cx="856480" cy="856480"/>
           </a:xfrm>
           <a:prstGeom prst="rect">
             <a:avLst/>
           </a:prstGeom>
         </p:spPr>
       </p:pic>
-      <p:sp>
-        <p:nvSpPr>
-          <p:cNvPr id="7" name="TextBox 6"/>
-          <p:cNvSpPr txBox="1"/>
+      <p:pic>
+        <p:nvPicPr>
+          <p:cNvPr id="17" name="Picture 16" descr="A cartoon shark with big eyes&#10;&#10;AI-generated content may be incorrect.">
+            <a:extLst>
+              <a:ext uri="{FF2B5EF4-FFF2-40B4-BE49-F238E27FC236}">
+                <a16:creationId xmlns:a16="http://schemas.microsoft.com/office/drawing/2014/main" id="{49A3FBDF-EF2D-6FA8-6B93-D485B36C8B21}"/>
+              </a:ext>
+            </a:extLst>
+          </p:cNvPr>
+          <p:cNvPicPr>
+            <a:picLocks noChangeAspect="1"/>
+          </p:cNvPicPr>
           <p:nvPr/>
-        </p:nvSpPr>
+        </p:nvPicPr>
+        <p:blipFill>
+          <a:blip r:embed="rId5" cstate="print">
+            <a:extLst>
+              <a:ext uri="{28A0092B-C50C-407E-A947-70E740481C1C}">
+                <a14:useLocalDpi xmlns:a14="http://schemas.microsoft.com/office/drawing/2010/main" val="0"/>
+              </a:ext>
+            </a:extLst>
+          </a:blip>
+          <a:stretch>
+            <a:fillRect/>
+          </a:stretch>
+        </p:blipFill>
         <p:spPr>
           <a:xfrm>
-            <a:off x="533400" y="2514600"/>
-            <a:ext cx="7924800" cy="523220"/>
+            <a:off x="3909785" y="2977065"/>
+            <a:ext cx="859536" cy="859536"/>
           </a:xfrm>
           <a:prstGeom prst="rect">
             <a:avLst/>
           </a:prstGeom>
-          <a:noFill/>
         </p:spPr>
-        <p:txBody>
-          <a:bodyPr wrap="square" rtlCol="0">
-            <a:spAutoFit/>
-          </a:bodyPr>
-          <a:lstStyle/>
-          <a:p>
-            <a:r>
-              <a:rPr lang="en-CA" sz="2800" dirty="0"/>
-              <a:t>Design: Two-alternative forced-choice,  </a:t>
-            </a:r>
-            <a:r>
-              <a:rPr lang="en-CA" sz="2800" i="1" dirty="0"/>
-              <a:t>n</a:t>
-            </a:r>
-            <a:r>
-              <a:rPr lang="en-CA" sz="2800" dirty="0"/>
-              <a:t>=50 trials </a:t>
-            </a:r>
-          </a:p>
-        </p:txBody>
-      </p:sp>
-      <p:sp>
-        <p:nvSpPr>
-          <p:cNvPr id="8" name="TextBox 7"/>
-          <p:cNvSpPr txBox="1"/>
-          <p:nvPr/>
-        </p:nvSpPr>
-        <p:spPr>
-          <a:xfrm>
-            <a:off x="533400" y="3393375"/>
-            <a:ext cx="2590800" cy="461665"/>
-          </a:xfrm>
-          <a:prstGeom prst="rect">
-            <a:avLst/>
-          </a:prstGeom>
-          <a:noFill/>
-        </p:spPr>
-        <p:txBody>
-          <a:bodyPr wrap="square" rtlCol="0">
-            <a:spAutoFit/>
-          </a:bodyPr>
-          <a:lstStyle/>
-          <a:p>
-            <a:pPr algn="ctr"/>
-            <a:r>
-              <a:rPr lang="en-CA" sz="2400" dirty="0"/>
-              <a:t>Conch pie</a:t>
-            </a:r>
-          </a:p>
-        </p:txBody>
-      </p:sp>
-      <p:sp>
-        <p:nvSpPr>
-          <p:cNvPr id="9" name="TextBox 8"/>
-          <p:cNvSpPr txBox="1"/>
-          <p:nvPr/>
-        </p:nvSpPr>
-        <p:spPr>
-          <a:xfrm>
-            <a:off x="3809999" y="3393375"/>
-            <a:ext cx="2138072" cy="461665"/>
-          </a:xfrm>
-          <a:prstGeom prst="rect">
-            <a:avLst/>
-          </a:prstGeom>
-          <a:noFill/>
-        </p:spPr>
-        <p:txBody>
-          <a:bodyPr wrap="square" rtlCol="0">
-            <a:spAutoFit/>
-          </a:bodyPr>
-          <a:lstStyle/>
-          <a:p>
-            <a:pPr algn="ctr"/>
-            <a:r>
-              <a:rPr lang="en-CA" sz="2400" dirty="0"/>
-              <a:t>Granola bar</a:t>
-            </a:r>
-          </a:p>
-        </p:txBody>
-      </p:sp>
-      <p:sp>
-        <p:nvSpPr>
-          <p:cNvPr id="10" name="TextBox 9"/>
-          <p:cNvSpPr txBox="1"/>
-          <p:nvPr/>
-        </p:nvSpPr>
-        <p:spPr>
-          <a:xfrm>
-            <a:off x="6400800" y="3886200"/>
-            <a:ext cx="2238375" cy="830997"/>
-          </a:xfrm>
-          <a:prstGeom prst="rect">
-            <a:avLst/>
-          </a:prstGeom>
-          <a:noFill/>
-        </p:spPr>
-        <p:txBody>
-          <a:bodyPr wrap="square" rtlCol="0">
-            <a:spAutoFit/>
-          </a:bodyPr>
-          <a:lstStyle/>
-          <a:p>
-            <a:r>
-              <a:rPr lang="en-CA" sz="2400" dirty="0"/>
-              <a:t>Sample stimulus items</a:t>
-            </a:r>
-          </a:p>
-        </p:txBody>
-      </p:sp>
+      </p:pic>
     </p:spTree>
     <p:extLst>
       <p:ext uri="{BB962C8B-B14F-4D97-AF65-F5344CB8AC3E}">
